--- a/slides/day_5/8_dimensionality_reduction.pptx
+++ b/slides/day_5/8_dimensionality_reduction.pptx
@@ -5,27 +5,15 @@
     <p:sldMasterId id="2147483648" r:id="rId1"/>
   </p:sldMasterIdLst>
   <p:notesMasterIdLst>
-    <p:notesMasterId r:id="rId17"/>
+    <p:notesMasterId r:id="rId5"/>
   </p:notesMasterIdLst>
   <p:handoutMasterIdLst>
-    <p:handoutMasterId r:id="rId18"/>
+    <p:handoutMasterId r:id="rId6"/>
   </p:handoutMasterIdLst>
   <p:sldIdLst>
     <p:sldId id="257" r:id="rId2"/>
-    <p:sldId id="258" r:id="rId3"/>
-    <p:sldId id="273" r:id="rId4"/>
-    <p:sldId id="277" r:id="rId5"/>
-    <p:sldId id="275" r:id="rId6"/>
-    <p:sldId id="276" r:id="rId7"/>
-    <p:sldId id="278" r:id="rId8"/>
-    <p:sldId id="261" r:id="rId9"/>
-    <p:sldId id="262" r:id="rId10"/>
-    <p:sldId id="263" r:id="rId11"/>
-    <p:sldId id="264" r:id="rId12"/>
-    <p:sldId id="265" r:id="rId13"/>
-    <p:sldId id="266" r:id="rId14"/>
-    <p:sldId id="270" r:id="rId15"/>
-    <p:sldId id="272" r:id="rId16"/>
+    <p:sldId id="279" r:id="rId3"/>
+    <p:sldId id="280" r:id="rId4"/>
   </p:sldIdLst>
   <p:sldSz cx="12192000" cy="6858000"/>
   <p:notesSz cx="6797675" cy="9874250"/>
@@ -135,7 +123,7 @@
 <file path=ppt/revisionInfo.xml><?xml version="1.0" encoding="utf-8"?>
 <p1510:revInfo xmlns:a="http://schemas.openxmlformats.org/drawingml/2006/main" xmlns:r="http://schemas.openxmlformats.org/officeDocument/2006/relationships" xmlns:p1510="http://schemas.microsoft.com/office/powerpoint/2015/10/main">
   <p1510:revLst>
-    <p1510:client id="{4B4BE8EF-EE71-4AB5-B357-D0E88CAC869B}" v="41" dt="2024-11-24T10:19:14.110"/>
+    <p1510:client id="{D3650D28-2C62-429D-8855-4BA54BE8F0D1}" v="2" dt="2026-02-27T13:03:56.104"/>
   </p1510:revLst>
 </p1510:revInfo>
 </file>
@@ -143,76 +131,226 @@
 <file path=ppt/changesInfos/changesInfo1.xml><?xml version="1.0" encoding="utf-8"?>
 <pc:chgInfo xmlns:a="http://schemas.openxmlformats.org/drawingml/2006/main" xmlns:r="http://schemas.openxmlformats.org/officeDocument/2006/relationships" xmlns:ac="http://schemas.microsoft.com/office/drawing/2013/main/command" xmlns:pc="http://schemas.microsoft.com/office/powerpoint/2013/main/command">
   <pc:docChgLst>
-    <pc:chgData name="Robbin Bouwmeester" userId="1dbfebabfc25a55a" providerId="LiveId" clId="{5852F325-2311-43D8-90C6-AEEAC74E8364}"/>
-    <pc:docChg chg="addSld delSld modSld">
-      <pc:chgData name="Robbin Bouwmeester" userId="1dbfebabfc25a55a" providerId="LiveId" clId="{5852F325-2311-43D8-90C6-AEEAC74E8364}" dt="2024-11-24T10:41:27.507" v="111" actId="1076"/>
+    <pc:chgData name="Robbin Bouwmeester" userId="1dbfebabfc25a55a" providerId="LiveId" clId="{75D63595-F797-482E-A4A0-2F4889B74D4F}"/>
+    <pc:docChg chg="undo custSel addSld delSld modSld">
+      <pc:chgData name="Robbin Bouwmeester" userId="1dbfebabfc25a55a" providerId="LiveId" clId="{75D63595-F797-482E-A4A0-2F4889B74D4F}" dt="2026-02-27T13:08:20.503" v="239" actId="47"/>
       <pc:docMkLst>
         <pc:docMk/>
       </pc:docMkLst>
-      <pc:sldChg chg="del">
-        <pc:chgData name="Robbin Bouwmeester" userId="1dbfebabfc25a55a" providerId="LiveId" clId="{5852F325-2311-43D8-90C6-AEEAC74E8364}" dt="2024-11-24T10:36:13.516" v="54" actId="47"/>
+      <pc:sldChg chg="addSp delSp modSp mod">
+        <pc:chgData name="Robbin Bouwmeester" userId="1dbfebabfc25a55a" providerId="LiveId" clId="{75D63595-F797-482E-A4A0-2F4889B74D4F}" dt="2026-02-27T13:05:18.787" v="228" actId="5793"/>
         <pc:sldMkLst>
           <pc:docMk/>
-          <pc:sldMk cId="3376430550" sldId="260"/>
+          <pc:sldMk cId="4071848948" sldId="257"/>
+        </pc:sldMkLst>
+        <pc:spChg chg="mod">
+          <ac:chgData name="Robbin Bouwmeester" userId="1dbfebabfc25a55a" providerId="LiveId" clId="{75D63595-F797-482E-A4A0-2F4889B74D4F}" dt="2026-02-27T13:03:40.163" v="30" actId="20577"/>
+          <ac:spMkLst>
+            <pc:docMk/>
+            <pc:sldMk cId="4071848948" sldId="257"/>
+            <ac:spMk id="5" creationId="{0E2CB1A6-46E1-FE3F-5EB3-4EDF592FBD9E}"/>
+          </ac:spMkLst>
+        </pc:spChg>
+        <pc:spChg chg="add mod">
+          <ac:chgData name="Robbin Bouwmeester" userId="1dbfebabfc25a55a" providerId="LiveId" clId="{75D63595-F797-482E-A4A0-2F4889B74D4F}" dt="2026-02-27T13:05:18.787" v="228" actId="5793"/>
+          <ac:spMkLst>
+            <pc:docMk/>
+            <pc:sldMk cId="4071848948" sldId="257"/>
+            <ac:spMk id="6" creationId="{AE29C7FF-9A1E-8E84-408A-8C78B39FACB3}"/>
+          </ac:spMkLst>
+        </pc:spChg>
+        <pc:picChg chg="del">
+          <ac:chgData name="Robbin Bouwmeester" userId="1dbfebabfc25a55a" providerId="LiveId" clId="{75D63595-F797-482E-A4A0-2F4889B74D4F}" dt="2026-02-27T12:58:07.470" v="0" actId="478"/>
+          <ac:picMkLst>
+            <pc:docMk/>
+            <pc:sldMk cId="4071848948" sldId="257"/>
+            <ac:picMk id="3" creationId="{C1545E87-DE42-8760-8B88-D6A16C559900}"/>
+          </ac:picMkLst>
+        </pc:picChg>
+        <pc:picChg chg="add mod">
+          <ac:chgData name="Robbin Bouwmeester" userId="1dbfebabfc25a55a" providerId="LiveId" clId="{75D63595-F797-482E-A4A0-2F4889B74D4F}" dt="2026-02-27T13:03:51.742" v="31" actId="1076"/>
+          <ac:picMkLst>
+            <pc:docMk/>
+            <pc:sldMk cId="4071848948" sldId="257"/>
+            <ac:picMk id="4" creationId="{1DADC0B3-4354-CEF2-6518-53D4BFE8247E}"/>
+          </ac:picMkLst>
+        </pc:picChg>
+        <pc:picChg chg="del">
+          <ac:chgData name="Robbin Bouwmeester" userId="1dbfebabfc25a55a" providerId="LiveId" clId="{75D63595-F797-482E-A4A0-2F4889B74D4F}" dt="2026-02-27T12:58:07.470" v="0" actId="478"/>
+          <ac:picMkLst>
+            <pc:docMk/>
+            <pc:sldMk cId="4071848948" sldId="257"/>
+            <ac:picMk id="1026" creationId="{466F50F7-913E-E67D-09BF-3713A97EE9C3}"/>
+          </ac:picMkLst>
+        </pc:picChg>
+        <pc:picChg chg="del">
+          <ac:chgData name="Robbin Bouwmeester" userId="1dbfebabfc25a55a" providerId="LiveId" clId="{75D63595-F797-482E-A4A0-2F4889B74D4F}" dt="2026-02-27T12:58:07.470" v="0" actId="478"/>
+          <ac:picMkLst>
+            <pc:docMk/>
+            <pc:sldMk cId="4071848948" sldId="257"/>
+            <ac:picMk id="1028" creationId="{A72BE986-0CB7-19BC-8F2C-A96A4AC020C3}"/>
+          </ac:picMkLst>
+        </pc:picChg>
+        <pc:picChg chg="del">
+          <ac:chgData name="Robbin Bouwmeester" userId="1dbfebabfc25a55a" providerId="LiveId" clId="{75D63595-F797-482E-A4A0-2F4889B74D4F}" dt="2026-02-27T12:58:07.470" v="0" actId="478"/>
+          <ac:picMkLst>
+            <pc:docMk/>
+            <pc:sldMk cId="4071848948" sldId="257"/>
+            <ac:picMk id="1030" creationId="{ED51A179-2E1F-A646-2D29-E4A17F721819}"/>
+          </ac:picMkLst>
+        </pc:picChg>
+      </pc:sldChg>
+      <pc:sldChg chg="del">
+        <pc:chgData name="Robbin Bouwmeester" userId="1dbfebabfc25a55a" providerId="LiveId" clId="{75D63595-F797-482E-A4A0-2F4889B74D4F}" dt="2026-02-27T13:08:20.503" v="239" actId="47"/>
+        <pc:sldMkLst>
+          <pc:docMk/>
+          <pc:sldMk cId="3933282328" sldId="258"/>
         </pc:sldMkLst>
       </pc:sldChg>
       <pc:sldChg chg="del">
-        <pc:chgData name="Robbin Bouwmeester" userId="1dbfebabfc25a55a" providerId="LiveId" clId="{5852F325-2311-43D8-90C6-AEEAC74E8364}" dt="2024-11-24T10:22:31.863" v="0" actId="47"/>
+        <pc:chgData name="Robbin Bouwmeester" userId="1dbfebabfc25a55a" providerId="LiveId" clId="{75D63595-F797-482E-A4A0-2F4889B74D4F}" dt="2026-02-27T13:08:20.503" v="239" actId="47"/>
         <pc:sldMkLst>
           <pc:docMk/>
-          <pc:sldMk cId="419804066" sldId="267"/>
+          <pc:sldMk cId="2553046411" sldId="261"/>
         </pc:sldMkLst>
       </pc:sldChg>
       <pc:sldChg chg="del">
-        <pc:chgData name="Robbin Bouwmeester" userId="1dbfebabfc25a55a" providerId="LiveId" clId="{5852F325-2311-43D8-90C6-AEEAC74E8364}" dt="2024-11-24T10:22:31.863" v="0" actId="47"/>
+        <pc:chgData name="Robbin Bouwmeester" userId="1dbfebabfc25a55a" providerId="LiveId" clId="{75D63595-F797-482E-A4A0-2F4889B74D4F}" dt="2026-02-27T13:08:20.503" v="239" actId="47"/>
         <pc:sldMkLst>
           <pc:docMk/>
-          <pc:sldMk cId="1745475178" sldId="268"/>
+          <pc:sldMk cId="3125656099" sldId="262"/>
         </pc:sldMkLst>
       </pc:sldChg>
       <pc:sldChg chg="del">
-        <pc:chgData name="Robbin Bouwmeester" userId="1dbfebabfc25a55a" providerId="LiveId" clId="{5852F325-2311-43D8-90C6-AEEAC74E8364}" dt="2024-11-24T10:22:31.863" v="0" actId="47"/>
+        <pc:chgData name="Robbin Bouwmeester" userId="1dbfebabfc25a55a" providerId="LiveId" clId="{75D63595-F797-482E-A4A0-2F4889B74D4F}" dt="2026-02-27T13:08:20.503" v="239" actId="47"/>
         <pc:sldMkLst>
           <pc:docMk/>
-          <pc:sldMk cId="1820715527" sldId="269"/>
+          <pc:sldMk cId="2039997518" sldId="263"/>
         </pc:sldMkLst>
       </pc:sldChg>
       <pc:sldChg chg="del">
-        <pc:chgData name="Robbin Bouwmeester" userId="1dbfebabfc25a55a" providerId="LiveId" clId="{5852F325-2311-43D8-90C6-AEEAC74E8364}" dt="2024-11-24T10:22:31.863" v="0" actId="47"/>
+        <pc:chgData name="Robbin Bouwmeester" userId="1dbfebabfc25a55a" providerId="LiveId" clId="{75D63595-F797-482E-A4A0-2F4889B74D4F}" dt="2026-02-27T13:08:20.503" v="239" actId="47"/>
         <pc:sldMkLst>
           <pc:docMk/>
-          <pc:sldMk cId="3516859904" sldId="271"/>
+          <pc:sldMk cId="1423335593" sldId="264"/>
         </pc:sldMkLst>
       </pc:sldChg>
-      <pc:sldChg chg="addSp modSp mod">
-        <pc:chgData name="Robbin Bouwmeester" userId="1dbfebabfc25a55a" providerId="LiveId" clId="{5852F325-2311-43D8-90C6-AEEAC74E8364}" dt="2024-11-24T10:26:03.346" v="2" actId="1076"/>
+      <pc:sldChg chg="del">
+        <pc:chgData name="Robbin Bouwmeester" userId="1dbfebabfc25a55a" providerId="LiveId" clId="{75D63595-F797-482E-A4A0-2F4889B74D4F}" dt="2026-02-27T13:08:20.503" v="239" actId="47"/>
+        <pc:sldMkLst>
+          <pc:docMk/>
+          <pc:sldMk cId="3549390794" sldId="265"/>
+        </pc:sldMkLst>
+      </pc:sldChg>
+      <pc:sldChg chg="del">
+        <pc:chgData name="Robbin Bouwmeester" userId="1dbfebabfc25a55a" providerId="LiveId" clId="{75D63595-F797-482E-A4A0-2F4889B74D4F}" dt="2026-02-27T13:08:20.503" v="239" actId="47"/>
+        <pc:sldMkLst>
+          <pc:docMk/>
+          <pc:sldMk cId="4121994623" sldId="266"/>
+        </pc:sldMkLst>
+      </pc:sldChg>
+      <pc:sldChg chg="del">
+        <pc:chgData name="Robbin Bouwmeester" userId="1dbfebabfc25a55a" providerId="LiveId" clId="{75D63595-F797-482E-A4A0-2F4889B74D4F}" dt="2026-02-27T13:08:20.503" v="239" actId="47"/>
+        <pc:sldMkLst>
+          <pc:docMk/>
+          <pc:sldMk cId="3449462475" sldId="270"/>
+        </pc:sldMkLst>
+      </pc:sldChg>
+      <pc:sldChg chg="del">
+        <pc:chgData name="Robbin Bouwmeester" userId="1dbfebabfc25a55a" providerId="LiveId" clId="{75D63595-F797-482E-A4A0-2F4889B74D4F}" dt="2026-02-27T13:08:20.503" v="239" actId="47"/>
         <pc:sldMkLst>
           <pc:docMk/>
           <pc:sldMk cId="1548010638" sldId="272"/>
         </pc:sldMkLst>
-        <pc:spChg chg="add mod">
-          <ac:chgData name="Robbin Bouwmeester" userId="1dbfebabfc25a55a" providerId="LiveId" clId="{5852F325-2311-43D8-90C6-AEEAC74E8364}" dt="2024-11-24T10:26:03.346" v="2" actId="1076"/>
-          <ac:spMkLst>
-            <pc:docMk/>
-            <pc:sldMk cId="1548010638" sldId="272"/>
-            <ac:spMk id="5" creationId="{E82FD8A4-8563-78B7-3318-05DC4D6C319C}"/>
-          </ac:spMkLst>
-        </pc:spChg>
       </pc:sldChg>
-      <pc:sldChg chg="modSp add mod">
-        <pc:chgData name="Robbin Bouwmeester" userId="1dbfebabfc25a55a" providerId="LiveId" clId="{5852F325-2311-43D8-90C6-AEEAC74E8364}" dt="2024-11-24T10:41:27.507" v="111" actId="1076"/>
+      <pc:sldChg chg="del">
+        <pc:chgData name="Robbin Bouwmeester" userId="1dbfebabfc25a55a" providerId="LiveId" clId="{75D63595-F797-482E-A4A0-2F4889B74D4F}" dt="2026-02-27T13:08:20.503" v="239" actId="47"/>
+        <pc:sldMkLst>
+          <pc:docMk/>
+          <pc:sldMk cId="1442676706" sldId="273"/>
+        </pc:sldMkLst>
+      </pc:sldChg>
+      <pc:sldChg chg="del">
+        <pc:chgData name="Robbin Bouwmeester" userId="1dbfebabfc25a55a" providerId="LiveId" clId="{75D63595-F797-482E-A4A0-2F4889B74D4F}" dt="2026-02-27T13:08:20.503" v="239" actId="47"/>
+        <pc:sldMkLst>
+          <pc:docMk/>
+          <pc:sldMk cId="416481786" sldId="275"/>
+        </pc:sldMkLst>
+      </pc:sldChg>
+      <pc:sldChg chg="del">
+        <pc:chgData name="Robbin Bouwmeester" userId="1dbfebabfc25a55a" providerId="LiveId" clId="{75D63595-F797-482E-A4A0-2F4889B74D4F}" dt="2026-02-27T13:08:20.503" v="239" actId="47"/>
+        <pc:sldMkLst>
+          <pc:docMk/>
+          <pc:sldMk cId="559918975" sldId="276"/>
+        </pc:sldMkLst>
+      </pc:sldChg>
+      <pc:sldChg chg="del">
+        <pc:chgData name="Robbin Bouwmeester" userId="1dbfebabfc25a55a" providerId="LiveId" clId="{75D63595-F797-482E-A4A0-2F4889B74D4F}" dt="2026-02-27T13:08:20.503" v="239" actId="47"/>
+        <pc:sldMkLst>
+          <pc:docMk/>
+          <pc:sldMk cId="4146636672" sldId="277"/>
+        </pc:sldMkLst>
+      </pc:sldChg>
+      <pc:sldChg chg="del">
+        <pc:chgData name="Robbin Bouwmeester" userId="1dbfebabfc25a55a" providerId="LiveId" clId="{75D63595-F797-482E-A4A0-2F4889B74D4F}" dt="2026-02-27T13:08:20.503" v="239" actId="47"/>
         <pc:sldMkLst>
           <pc:docMk/>
           <pc:sldMk cId="4034051223" sldId="278"/>
         </pc:sldMkLst>
-        <pc:spChg chg="mod">
-          <ac:chgData name="Robbin Bouwmeester" userId="1dbfebabfc25a55a" providerId="LiveId" clId="{5852F325-2311-43D8-90C6-AEEAC74E8364}" dt="2024-11-24T10:41:27.507" v="111" actId="1076"/>
+      </pc:sldChg>
+      <pc:sldChg chg="addSp delSp modSp add mod">
+        <pc:chgData name="Robbin Bouwmeester" userId="1dbfebabfc25a55a" providerId="LiveId" clId="{75D63595-F797-482E-A4A0-2F4889B74D4F}" dt="2026-02-27T13:07:16.274" v="233" actId="1076"/>
+        <pc:sldMkLst>
+          <pc:docMk/>
+          <pc:sldMk cId="2810432008" sldId="279"/>
+        </pc:sldMkLst>
+        <pc:spChg chg="del">
+          <ac:chgData name="Robbin Bouwmeester" userId="1dbfebabfc25a55a" providerId="LiveId" clId="{75D63595-F797-482E-A4A0-2F4889B74D4F}" dt="2026-02-27T13:07:09.875" v="230" actId="478"/>
           <ac:spMkLst>
             <pc:docMk/>
-            <pc:sldMk cId="4034051223" sldId="278"/>
-            <ac:spMk id="4" creationId="{74850351-B665-1124-9850-141925650539}"/>
+            <pc:sldMk cId="2810432008" sldId="279"/>
+            <ac:spMk id="6" creationId="{1A01F37F-DF8E-C7B7-22F7-3589503C7534}"/>
           </ac:spMkLst>
         </pc:spChg>
+        <pc:picChg chg="add mod">
+          <ac:chgData name="Robbin Bouwmeester" userId="1dbfebabfc25a55a" providerId="LiveId" clId="{75D63595-F797-482E-A4A0-2F4889B74D4F}" dt="2026-02-27T13:07:16.274" v="233" actId="1076"/>
+          <ac:picMkLst>
+            <pc:docMk/>
+            <pc:sldMk cId="2810432008" sldId="279"/>
+            <ac:picMk id="3" creationId="{EFF962B3-3D02-5FDC-0C3C-AE7598D0DCA4}"/>
+          </ac:picMkLst>
+        </pc:picChg>
+        <pc:picChg chg="del">
+          <ac:chgData name="Robbin Bouwmeester" userId="1dbfebabfc25a55a" providerId="LiveId" clId="{75D63595-F797-482E-A4A0-2F4889B74D4F}" dt="2026-02-27T13:07:09.875" v="230" actId="478"/>
+          <ac:picMkLst>
+            <pc:docMk/>
+            <pc:sldMk cId="2810432008" sldId="279"/>
+            <ac:picMk id="4" creationId="{D75F1F69-B9AD-1B00-31BC-3AF0320C52EE}"/>
+          </ac:picMkLst>
+        </pc:picChg>
+      </pc:sldChg>
+      <pc:sldChg chg="addSp delSp modSp add mod">
+        <pc:chgData name="Robbin Bouwmeester" userId="1dbfebabfc25a55a" providerId="LiveId" clId="{75D63595-F797-482E-A4A0-2F4889B74D4F}" dt="2026-02-27T13:08:16.009" v="238" actId="1076"/>
+        <pc:sldMkLst>
+          <pc:docMk/>
+          <pc:sldMk cId="3860323098" sldId="280"/>
+        </pc:sldMkLst>
+        <pc:picChg chg="del">
+          <ac:chgData name="Robbin Bouwmeester" userId="1dbfebabfc25a55a" providerId="LiveId" clId="{75D63595-F797-482E-A4A0-2F4889B74D4F}" dt="2026-02-27T13:08:12.133" v="235" actId="478"/>
+          <ac:picMkLst>
+            <pc:docMk/>
+            <pc:sldMk cId="3860323098" sldId="280"/>
+            <ac:picMk id="3" creationId="{CD9668EC-BE79-E630-C549-82BD1FF61427}"/>
+          </ac:picMkLst>
+        </pc:picChg>
+        <pc:picChg chg="add mod">
+          <ac:chgData name="Robbin Bouwmeester" userId="1dbfebabfc25a55a" providerId="LiveId" clId="{75D63595-F797-482E-A4A0-2F4889B74D4F}" dt="2026-02-27T13:08:16.009" v="238" actId="1076"/>
+          <ac:picMkLst>
+            <pc:docMk/>
+            <pc:sldMk cId="3860323098" sldId="280"/>
+            <ac:picMk id="4" creationId="{F99F4E3D-2E82-B116-7301-88E6CC98D516}"/>
+          </ac:picMkLst>
+        </pc:picChg>
       </pc:sldChg>
     </pc:docChg>
   </pc:docChgLst>
@@ -301,7 +439,7 @@
           <a:p>
             <a:fld id="{3C10CED3-9D38-496E-A0C9-F8629E5A2A41}" type="datetimeFigureOut">
               <a:rPr lang="en-US" smtClean="0"/>
-              <a:t>11/24/2024</a:t>
+              <a:t>2/27/2026</a:t>
             </a:fld>
             <a:endParaRPr lang="en-US"/>
           </a:p>
@@ -466,7 +604,7 @@
           <a:p>
             <a:fld id="{566A7747-0984-4E12-9222-F6AC1BF9321E}" type="datetimeFigureOut">
               <a:rPr lang="en-US" smtClean="0"/>
-              <a:t>11/24/2024</a:t>
+              <a:t>2/27/2026</a:t>
             </a:fld>
             <a:endParaRPr lang="en-US"/>
           </a:p>
@@ -817,90 +955,6 @@
 </p:notes>
 </file>
 
-<file path=ppt/notesSlides/notesSlide10.xml><?xml version="1.0" encoding="utf-8"?>
-<p:notes xmlns:a="http://schemas.openxmlformats.org/drawingml/2006/main" xmlns:r="http://schemas.openxmlformats.org/officeDocument/2006/relationships" xmlns:p="http://schemas.openxmlformats.org/presentationml/2006/main">
-  <p:cSld>
-    <p:spTree>
-      <p:nvGrpSpPr>
-        <p:cNvPr id="1" name=""/>
-        <p:cNvGrpSpPr/>
-        <p:nvPr/>
-      </p:nvGrpSpPr>
-      <p:grpSpPr>
-        <a:xfrm>
-          <a:off x="0" y="0"/>
-          <a:ext cx="0" cy="0"/>
-          <a:chOff x="0" y="0"/>
-          <a:chExt cx="0" cy="0"/>
-        </a:xfrm>
-      </p:grpSpPr>
-      <p:sp>
-        <p:nvSpPr>
-          <p:cNvPr id="2" name="Slide Image Placeholder 1"/>
-          <p:cNvSpPr>
-            <a:spLocks noGrp="1" noRot="1" noChangeAspect="1"/>
-          </p:cNvSpPr>
-          <p:nvPr>
-            <p:ph type="sldImg"/>
-          </p:nvPr>
-        </p:nvSpPr>
-        <p:spPr/>
-      </p:sp>
-      <p:sp>
-        <p:nvSpPr>
-          <p:cNvPr id="3" name="Notes Placeholder 2"/>
-          <p:cNvSpPr>
-            <a:spLocks noGrp="1"/>
-          </p:cNvSpPr>
-          <p:nvPr>
-            <p:ph type="body" idx="1"/>
-          </p:nvPr>
-        </p:nvSpPr>
-        <p:spPr/>
-        <p:txBody>
-          <a:bodyPr/>
-          <a:lstStyle/>
-          <a:p>
-            <a:endParaRPr lang="LID4096" dirty="0"/>
-          </a:p>
-        </p:txBody>
-      </p:sp>
-      <p:sp>
-        <p:nvSpPr>
-          <p:cNvPr id="4" name="Slide Number Placeholder 3"/>
-          <p:cNvSpPr>
-            <a:spLocks noGrp="1"/>
-          </p:cNvSpPr>
-          <p:nvPr>
-            <p:ph type="sldNum" sz="quarter" idx="5"/>
-          </p:nvPr>
-        </p:nvSpPr>
-        <p:spPr/>
-        <p:txBody>
-          <a:bodyPr/>
-          <a:lstStyle/>
-          <a:p>
-            <a:fld id="{E36C4827-840E-4EC5-B0B2-4EAAD02724FF}" type="slidenum">
-              <a:rPr lang="en-US" smtClean="0"/>
-              <a:t>15</a:t>
-            </a:fld>
-            <a:endParaRPr lang="en-US"/>
-          </a:p>
-        </p:txBody>
-      </p:sp>
-    </p:spTree>
-    <p:extLst>
-      <p:ext uri="{BB962C8B-B14F-4D97-AF65-F5344CB8AC3E}">
-        <p14:creationId xmlns:p14="http://schemas.microsoft.com/office/powerpoint/2010/main" val="603785465"/>
-      </p:ext>
-    </p:extLst>
-  </p:cSld>
-  <p:clrMapOvr>
-    <a:masterClrMapping/>
-  </p:clrMapOvr>
-</p:notes>
-</file>
-
 <file path=ppt/notesSlides/notesSlide2.xml><?xml version="1.0" encoding="utf-8"?>
 <p:notes xmlns:a="http://schemas.openxmlformats.org/drawingml/2006/main" xmlns:r="http://schemas.openxmlformats.org/officeDocument/2006/relationships" xmlns:p="http://schemas.openxmlformats.org/presentationml/2006/main">
   <p:cSld>
@@ -909,7 +963,7 @@
         <p:cNvPr id="1" name="">
           <a:extLst>
             <a:ext uri="{FF2B5EF4-FFF2-40B4-BE49-F238E27FC236}">
-              <a16:creationId xmlns:a16="http://schemas.microsoft.com/office/drawing/2014/main" id="{EBC7C1C5-818D-FD3F-61D5-CB65735B773A}"/>
+              <a16:creationId xmlns:a16="http://schemas.microsoft.com/office/drawing/2014/main" id="{99CDE2B4-86CF-54C7-6934-C08E630EC5D3}"/>
             </a:ext>
           </a:extLst>
         </p:cNvPr>
@@ -929,7 +983,7 @@
           <p:cNvPr id="2" name="Slide Image Placeholder 1">
             <a:extLst>
               <a:ext uri="{FF2B5EF4-FFF2-40B4-BE49-F238E27FC236}">
-                <a16:creationId xmlns:a16="http://schemas.microsoft.com/office/drawing/2014/main" id="{6035F7DE-3360-EE62-7B94-1305EC070ECC}"/>
+                <a16:creationId xmlns:a16="http://schemas.microsoft.com/office/drawing/2014/main" id="{EAC2916B-7B7A-F60B-0721-880A3A41194D}"/>
               </a:ext>
             </a:extLst>
           </p:cNvPr>
@@ -947,7 +1001,7 @@
           <p:cNvPr id="3" name="Notes Placeholder 2">
             <a:extLst>
               <a:ext uri="{FF2B5EF4-FFF2-40B4-BE49-F238E27FC236}">
-                <a16:creationId xmlns:a16="http://schemas.microsoft.com/office/drawing/2014/main" id="{B7CDB314-1269-A147-CF93-E301DAE80775}"/>
+                <a16:creationId xmlns:a16="http://schemas.microsoft.com/office/drawing/2014/main" id="{87402078-F32E-92F5-BEED-D02281A44600}"/>
               </a:ext>
             </a:extLst>
           </p:cNvPr>
@@ -963,7 +1017,7 @@
           <a:bodyPr/>
           <a:lstStyle/>
           <a:p>
-            <a:endParaRPr lang="en-US" dirty="0"/>
+            <a:endParaRPr lang="nl-BE" dirty="0"/>
           </a:p>
         </p:txBody>
       </p:sp>
@@ -972,7 +1026,7 @@
           <p:cNvPr id="4" name="Slide Number Placeholder 3">
             <a:extLst>
               <a:ext uri="{FF2B5EF4-FFF2-40B4-BE49-F238E27FC236}">
-                <a16:creationId xmlns:a16="http://schemas.microsoft.com/office/drawing/2014/main" id="{0C91F4A5-375B-DCDA-1C26-9D0BE3B72E67}"/>
+                <a16:creationId xmlns:a16="http://schemas.microsoft.com/office/drawing/2014/main" id="{E19DABA1-1D1E-4406-A4FD-C807B9F60BB0}"/>
               </a:ext>
             </a:extLst>
           </p:cNvPr>
@@ -990,7 +1044,7 @@
           <a:p>
             <a:fld id="{E36C4827-840E-4EC5-B0B2-4EAAD02724FF}" type="slidenum">
               <a:rPr lang="en-US" smtClean="0"/>
-              <a:t>7</a:t>
+              <a:t>2</a:t>
             </a:fld>
             <a:endParaRPr lang="en-US"/>
           </a:p>
@@ -999,7 +1053,7 @@
     </p:spTree>
     <p:extLst>
       <p:ext uri="{BB962C8B-B14F-4D97-AF65-F5344CB8AC3E}">
-        <p14:creationId xmlns:p14="http://schemas.microsoft.com/office/powerpoint/2010/main" val="273506988"/>
+        <p14:creationId xmlns:p14="http://schemas.microsoft.com/office/powerpoint/2010/main" val="2436554687"/>
       </p:ext>
     </p:extLst>
   </p:cSld>
@@ -1014,7 +1068,13 @@
   <p:cSld>
     <p:spTree>
       <p:nvGrpSpPr>
-        <p:cNvPr id="1" name=""/>
+        <p:cNvPr id="1" name="">
+          <a:extLst>
+            <a:ext uri="{FF2B5EF4-FFF2-40B4-BE49-F238E27FC236}">
+              <a16:creationId xmlns:a16="http://schemas.microsoft.com/office/drawing/2014/main" id="{37F2A11C-5830-9011-D449-7708EF31D9E0}"/>
+            </a:ext>
+          </a:extLst>
+        </p:cNvPr>
         <p:cNvGrpSpPr/>
         <p:nvPr/>
       </p:nvGrpSpPr>
@@ -1028,7 +1088,13 @@
       </p:grpSpPr>
       <p:sp>
         <p:nvSpPr>
-          <p:cNvPr id="2" name="Slide Image Placeholder 1"/>
+          <p:cNvPr id="2" name="Slide Image Placeholder 1">
+            <a:extLst>
+              <a:ext uri="{FF2B5EF4-FFF2-40B4-BE49-F238E27FC236}">
+                <a16:creationId xmlns:a16="http://schemas.microsoft.com/office/drawing/2014/main" id="{DA71848D-587D-9739-C754-B3DB3E047CF0}"/>
+              </a:ext>
+            </a:extLst>
+          </p:cNvPr>
           <p:cNvSpPr>
             <a:spLocks noGrp="1" noRot="1" noChangeAspect="1"/>
           </p:cNvSpPr>
@@ -1040,7 +1106,13 @@
       </p:sp>
       <p:sp>
         <p:nvSpPr>
-          <p:cNvPr id="3" name="Notes Placeholder 2"/>
+          <p:cNvPr id="3" name="Notes Placeholder 2">
+            <a:extLst>
+              <a:ext uri="{FF2B5EF4-FFF2-40B4-BE49-F238E27FC236}">
+                <a16:creationId xmlns:a16="http://schemas.microsoft.com/office/drawing/2014/main" id="{C33BFAFE-1A97-ACD3-5330-B69B37774A01}"/>
+              </a:ext>
+            </a:extLst>
+          </p:cNvPr>
           <p:cNvSpPr>
             <a:spLocks noGrp="1"/>
           </p:cNvSpPr>
@@ -1053,13 +1125,19 @@
           <a:bodyPr/>
           <a:lstStyle/>
           <a:p>
-            <a:endParaRPr lang="en-US" dirty="0"/>
-          </a:p>
-        </p:txBody>
-      </p:sp>
-      <p:sp>
-        <p:nvSpPr>
-          <p:cNvPr id="4" name="Slide Number Placeholder 3"/>
+            <a:endParaRPr lang="nl-BE" dirty="0"/>
+          </a:p>
+        </p:txBody>
+      </p:sp>
+      <p:sp>
+        <p:nvSpPr>
+          <p:cNvPr id="4" name="Slide Number Placeholder 3">
+            <a:extLst>
+              <a:ext uri="{FF2B5EF4-FFF2-40B4-BE49-F238E27FC236}">
+                <a16:creationId xmlns:a16="http://schemas.microsoft.com/office/drawing/2014/main" id="{85447F7D-3B7E-C344-2358-CA078211028F}"/>
+              </a:ext>
+            </a:extLst>
+          </p:cNvPr>
           <p:cNvSpPr>
             <a:spLocks noGrp="1"/>
           </p:cNvSpPr>
@@ -1074,7 +1152,7 @@
           <a:p>
             <a:fld id="{E36C4827-840E-4EC5-B0B2-4EAAD02724FF}" type="slidenum">
               <a:rPr lang="en-US" smtClean="0"/>
-              <a:t>8</a:t>
+              <a:t>3</a:t>
             </a:fld>
             <a:endParaRPr lang="en-US"/>
           </a:p>
@@ -1083,511 +1161,7 @@
     </p:spTree>
     <p:extLst>
       <p:ext uri="{BB962C8B-B14F-4D97-AF65-F5344CB8AC3E}">
-        <p14:creationId xmlns:p14="http://schemas.microsoft.com/office/powerpoint/2010/main" val="2579532910"/>
-      </p:ext>
-    </p:extLst>
-  </p:cSld>
-  <p:clrMapOvr>
-    <a:masterClrMapping/>
-  </p:clrMapOvr>
-</p:notes>
-</file>
-
-<file path=ppt/notesSlides/notesSlide4.xml><?xml version="1.0" encoding="utf-8"?>
-<p:notes xmlns:a="http://schemas.openxmlformats.org/drawingml/2006/main" xmlns:r="http://schemas.openxmlformats.org/officeDocument/2006/relationships" xmlns:p="http://schemas.openxmlformats.org/presentationml/2006/main">
-  <p:cSld>
-    <p:spTree>
-      <p:nvGrpSpPr>
-        <p:cNvPr id="1" name=""/>
-        <p:cNvGrpSpPr/>
-        <p:nvPr/>
-      </p:nvGrpSpPr>
-      <p:grpSpPr>
-        <a:xfrm>
-          <a:off x="0" y="0"/>
-          <a:ext cx="0" cy="0"/>
-          <a:chOff x="0" y="0"/>
-          <a:chExt cx="0" cy="0"/>
-        </a:xfrm>
-      </p:grpSpPr>
-      <p:sp>
-        <p:nvSpPr>
-          <p:cNvPr id="2" name="Slide Image Placeholder 1"/>
-          <p:cNvSpPr>
-            <a:spLocks noGrp="1" noRot="1" noChangeAspect="1"/>
-          </p:cNvSpPr>
-          <p:nvPr>
-            <p:ph type="sldImg"/>
-          </p:nvPr>
-        </p:nvSpPr>
-        <p:spPr/>
-      </p:sp>
-      <p:sp>
-        <p:nvSpPr>
-          <p:cNvPr id="3" name="Notes Placeholder 2"/>
-          <p:cNvSpPr>
-            <a:spLocks noGrp="1"/>
-          </p:cNvSpPr>
-          <p:nvPr>
-            <p:ph type="body" idx="1"/>
-          </p:nvPr>
-        </p:nvSpPr>
-        <p:spPr/>
-        <p:txBody>
-          <a:bodyPr/>
-          <a:lstStyle/>
-          <a:p>
-            <a:endParaRPr lang="en-US" dirty="0"/>
-          </a:p>
-        </p:txBody>
-      </p:sp>
-      <p:sp>
-        <p:nvSpPr>
-          <p:cNvPr id="4" name="Slide Number Placeholder 3"/>
-          <p:cNvSpPr>
-            <a:spLocks noGrp="1"/>
-          </p:cNvSpPr>
-          <p:nvPr>
-            <p:ph type="sldNum" sz="quarter" idx="10"/>
-          </p:nvPr>
-        </p:nvSpPr>
-        <p:spPr/>
-        <p:txBody>
-          <a:bodyPr/>
-          <a:lstStyle/>
-          <a:p>
-            <a:fld id="{E36C4827-840E-4EC5-B0B2-4EAAD02724FF}" type="slidenum">
-              <a:rPr lang="en-US" smtClean="0"/>
-              <a:t>9</a:t>
-            </a:fld>
-            <a:endParaRPr lang="en-US"/>
-          </a:p>
-        </p:txBody>
-      </p:sp>
-    </p:spTree>
-    <p:extLst>
-      <p:ext uri="{BB962C8B-B14F-4D97-AF65-F5344CB8AC3E}">
-        <p14:creationId xmlns:p14="http://schemas.microsoft.com/office/powerpoint/2010/main" val="2366139153"/>
-      </p:ext>
-    </p:extLst>
-  </p:cSld>
-  <p:clrMapOvr>
-    <a:masterClrMapping/>
-  </p:clrMapOvr>
-</p:notes>
-</file>
-
-<file path=ppt/notesSlides/notesSlide5.xml><?xml version="1.0" encoding="utf-8"?>
-<p:notes xmlns:a="http://schemas.openxmlformats.org/drawingml/2006/main" xmlns:r="http://schemas.openxmlformats.org/officeDocument/2006/relationships" xmlns:p="http://schemas.openxmlformats.org/presentationml/2006/main">
-  <p:cSld>
-    <p:spTree>
-      <p:nvGrpSpPr>
-        <p:cNvPr id="1" name=""/>
-        <p:cNvGrpSpPr/>
-        <p:nvPr/>
-      </p:nvGrpSpPr>
-      <p:grpSpPr>
-        <a:xfrm>
-          <a:off x="0" y="0"/>
-          <a:ext cx="0" cy="0"/>
-          <a:chOff x="0" y="0"/>
-          <a:chExt cx="0" cy="0"/>
-        </a:xfrm>
-      </p:grpSpPr>
-      <p:sp>
-        <p:nvSpPr>
-          <p:cNvPr id="2" name="Slide Image Placeholder 1"/>
-          <p:cNvSpPr>
-            <a:spLocks noGrp="1" noRot="1" noChangeAspect="1"/>
-          </p:cNvSpPr>
-          <p:nvPr>
-            <p:ph type="sldImg"/>
-          </p:nvPr>
-        </p:nvSpPr>
-        <p:spPr/>
-      </p:sp>
-      <p:sp>
-        <p:nvSpPr>
-          <p:cNvPr id="3" name="Notes Placeholder 2"/>
-          <p:cNvSpPr>
-            <a:spLocks noGrp="1"/>
-          </p:cNvSpPr>
-          <p:nvPr>
-            <p:ph type="body" idx="1"/>
-          </p:nvPr>
-        </p:nvSpPr>
-        <p:spPr/>
-        <p:txBody>
-          <a:bodyPr/>
-          <a:lstStyle/>
-          <a:p>
-            <a:endParaRPr lang="en-US" dirty="0"/>
-          </a:p>
-        </p:txBody>
-      </p:sp>
-      <p:sp>
-        <p:nvSpPr>
-          <p:cNvPr id="4" name="Slide Number Placeholder 3"/>
-          <p:cNvSpPr>
-            <a:spLocks noGrp="1"/>
-          </p:cNvSpPr>
-          <p:nvPr>
-            <p:ph type="sldNum" sz="quarter" idx="10"/>
-          </p:nvPr>
-        </p:nvSpPr>
-        <p:spPr/>
-        <p:txBody>
-          <a:bodyPr/>
-          <a:lstStyle/>
-          <a:p>
-            <a:fld id="{E36C4827-840E-4EC5-B0B2-4EAAD02724FF}" type="slidenum">
-              <a:rPr lang="en-US" smtClean="0"/>
-              <a:t>10</a:t>
-            </a:fld>
-            <a:endParaRPr lang="en-US"/>
-          </a:p>
-        </p:txBody>
-      </p:sp>
-    </p:spTree>
-    <p:extLst>
-      <p:ext uri="{BB962C8B-B14F-4D97-AF65-F5344CB8AC3E}">
-        <p14:creationId xmlns:p14="http://schemas.microsoft.com/office/powerpoint/2010/main" val="1186017497"/>
-      </p:ext>
-    </p:extLst>
-  </p:cSld>
-  <p:clrMapOvr>
-    <a:masterClrMapping/>
-  </p:clrMapOvr>
-</p:notes>
-</file>
-
-<file path=ppt/notesSlides/notesSlide6.xml><?xml version="1.0" encoding="utf-8"?>
-<p:notes xmlns:a="http://schemas.openxmlformats.org/drawingml/2006/main" xmlns:r="http://schemas.openxmlformats.org/officeDocument/2006/relationships" xmlns:p="http://schemas.openxmlformats.org/presentationml/2006/main">
-  <p:cSld>
-    <p:spTree>
-      <p:nvGrpSpPr>
-        <p:cNvPr id="1" name=""/>
-        <p:cNvGrpSpPr/>
-        <p:nvPr/>
-      </p:nvGrpSpPr>
-      <p:grpSpPr>
-        <a:xfrm>
-          <a:off x="0" y="0"/>
-          <a:ext cx="0" cy="0"/>
-          <a:chOff x="0" y="0"/>
-          <a:chExt cx="0" cy="0"/>
-        </a:xfrm>
-      </p:grpSpPr>
-      <p:sp>
-        <p:nvSpPr>
-          <p:cNvPr id="2" name="Slide Image Placeholder 1"/>
-          <p:cNvSpPr>
-            <a:spLocks noGrp="1" noRot="1" noChangeAspect="1"/>
-          </p:cNvSpPr>
-          <p:nvPr>
-            <p:ph type="sldImg"/>
-          </p:nvPr>
-        </p:nvSpPr>
-        <p:spPr/>
-      </p:sp>
-      <p:sp>
-        <p:nvSpPr>
-          <p:cNvPr id="3" name="Notes Placeholder 2"/>
-          <p:cNvSpPr>
-            <a:spLocks noGrp="1"/>
-          </p:cNvSpPr>
-          <p:nvPr>
-            <p:ph type="body" idx="1"/>
-          </p:nvPr>
-        </p:nvSpPr>
-        <p:spPr/>
-        <p:txBody>
-          <a:bodyPr/>
-          <a:lstStyle/>
-          <a:p>
-            <a:endParaRPr lang="en-US" dirty="0"/>
-          </a:p>
-        </p:txBody>
-      </p:sp>
-      <p:sp>
-        <p:nvSpPr>
-          <p:cNvPr id="4" name="Slide Number Placeholder 3"/>
-          <p:cNvSpPr>
-            <a:spLocks noGrp="1"/>
-          </p:cNvSpPr>
-          <p:nvPr>
-            <p:ph type="sldNum" sz="quarter" idx="10"/>
-          </p:nvPr>
-        </p:nvSpPr>
-        <p:spPr/>
-        <p:txBody>
-          <a:bodyPr/>
-          <a:lstStyle/>
-          <a:p>
-            <a:fld id="{E36C4827-840E-4EC5-B0B2-4EAAD02724FF}" type="slidenum">
-              <a:rPr lang="en-US" smtClean="0"/>
-              <a:t>11</a:t>
-            </a:fld>
-            <a:endParaRPr lang="en-US"/>
-          </a:p>
-        </p:txBody>
-      </p:sp>
-    </p:spTree>
-    <p:extLst>
-      <p:ext uri="{BB962C8B-B14F-4D97-AF65-F5344CB8AC3E}">
-        <p14:creationId xmlns:p14="http://schemas.microsoft.com/office/powerpoint/2010/main" val="2423599417"/>
-      </p:ext>
-    </p:extLst>
-  </p:cSld>
-  <p:clrMapOvr>
-    <a:masterClrMapping/>
-  </p:clrMapOvr>
-</p:notes>
-</file>
-
-<file path=ppt/notesSlides/notesSlide7.xml><?xml version="1.0" encoding="utf-8"?>
-<p:notes xmlns:a="http://schemas.openxmlformats.org/drawingml/2006/main" xmlns:r="http://schemas.openxmlformats.org/officeDocument/2006/relationships" xmlns:p="http://schemas.openxmlformats.org/presentationml/2006/main">
-  <p:cSld>
-    <p:spTree>
-      <p:nvGrpSpPr>
-        <p:cNvPr id="1" name=""/>
-        <p:cNvGrpSpPr/>
-        <p:nvPr/>
-      </p:nvGrpSpPr>
-      <p:grpSpPr>
-        <a:xfrm>
-          <a:off x="0" y="0"/>
-          <a:ext cx="0" cy="0"/>
-          <a:chOff x="0" y="0"/>
-          <a:chExt cx="0" cy="0"/>
-        </a:xfrm>
-      </p:grpSpPr>
-      <p:sp>
-        <p:nvSpPr>
-          <p:cNvPr id="2" name="Slide Image Placeholder 1"/>
-          <p:cNvSpPr>
-            <a:spLocks noGrp="1" noRot="1" noChangeAspect="1"/>
-          </p:cNvSpPr>
-          <p:nvPr>
-            <p:ph type="sldImg"/>
-          </p:nvPr>
-        </p:nvSpPr>
-        <p:spPr/>
-      </p:sp>
-      <p:sp>
-        <p:nvSpPr>
-          <p:cNvPr id="3" name="Notes Placeholder 2"/>
-          <p:cNvSpPr>
-            <a:spLocks noGrp="1"/>
-          </p:cNvSpPr>
-          <p:nvPr>
-            <p:ph type="body" idx="1"/>
-          </p:nvPr>
-        </p:nvSpPr>
-        <p:spPr/>
-        <p:txBody>
-          <a:bodyPr/>
-          <a:lstStyle/>
-          <a:p>
-            <a:endParaRPr lang="en-US" dirty="0"/>
-          </a:p>
-        </p:txBody>
-      </p:sp>
-      <p:sp>
-        <p:nvSpPr>
-          <p:cNvPr id="4" name="Slide Number Placeholder 3"/>
-          <p:cNvSpPr>
-            <a:spLocks noGrp="1"/>
-          </p:cNvSpPr>
-          <p:nvPr>
-            <p:ph type="sldNum" sz="quarter" idx="10"/>
-          </p:nvPr>
-        </p:nvSpPr>
-        <p:spPr/>
-        <p:txBody>
-          <a:bodyPr/>
-          <a:lstStyle/>
-          <a:p>
-            <a:fld id="{E36C4827-840E-4EC5-B0B2-4EAAD02724FF}" type="slidenum">
-              <a:rPr lang="en-US" smtClean="0"/>
-              <a:t>12</a:t>
-            </a:fld>
-            <a:endParaRPr lang="en-US"/>
-          </a:p>
-        </p:txBody>
-      </p:sp>
-    </p:spTree>
-    <p:extLst>
-      <p:ext uri="{BB962C8B-B14F-4D97-AF65-F5344CB8AC3E}">
-        <p14:creationId xmlns:p14="http://schemas.microsoft.com/office/powerpoint/2010/main" val="3568242645"/>
-      </p:ext>
-    </p:extLst>
-  </p:cSld>
-  <p:clrMapOvr>
-    <a:masterClrMapping/>
-  </p:clrMapOvr>
-</p:notes>
-</file>
-
-<file path=ppt/notesSlides/notesSlide8.xml><?xml version="1.0" encoding="utf-8"?>
-<p:notes xmlns:a="http://schemas.openxmlformats.org/drawingml/2006/main" xmlns:r="http://schemas.openxmlformats.org/officeDocument/2006/relationships" xmlns:p="http://schemas.openxmlformats.org/presentationml/2006/main">
-  <p:cSld>
-    <p:spTree>
-      <p:nvGrpSpPr>
-        <p:cNvPr id="1" name=""/>
-        <p:cNvGrpSpPr/>
-        <p:nvPr/>
-      </p:nvGrpSpPr>
-      <p:grpSpPr>
-        <a:xfrm>
-          <a:off x="0" y="0"/>
-          <a:ext cx="0" cy="0"/>
-          <a:chOff x="0" y="0"/>
-          <a:chExt cx="0" cy="0"/>
-        </a:xfrm>
-      </p:grpSpPr>
-      <p:sp>
-        <p:nvSpPr>
-          <p:cNvPr id="2" name="Slide Image Placeholder 1"/>
-          <p:cNvSpPr>
-            <a:spLocks noGrp="1" noRot="1" noChangeAspect="1"/>
-          </p:cNvSpPr>
-          <p:nvPr>
-            <p:ph type="sldImg"/>
-          </p:nvPr>
-        </p:nvSpPr>
-        <p:spPr/>
-      </p:sp>
-      <p:sp>
-        <p:nvSpPr>
-          <p:cNvPr id="3" name="Notes Placeholder 2"/>
-          <p:cNvSpPr>
-            <a:spLocks noGrp="1"/>
-          </p:cNvSpPr>
-          <p:nvPr>
-            <p:ph type="body" idx="1"/>
-          </p:nvPr>
-        </p:nvSpPr>
-        <p:spPr/>
-        <p:txBody>
-          <a:bodyPr/>
-          <a:lstStyle/>
-          <a:p>
-            <a:endParaRPr lang="en-US" dirty="0"/>
-          </a:p>
-        </p:txBody>
-      </p:sp>
-      <p:sp>
-        <p:nvSpPr>
-          <p:cNvPr id="4" name="Slide Number Placeholder 3"/>
-          <p:cNvSpPr>
-            <a:spLocks noGrp="1"/>
-          </p:cNvSpPr>
-          <p:nvPr>
-            <p:ph type="sldNum" sz="quarter" idx="10"/>
-          </p:nvPr>
-        </p:nvSpPr>
-        <p:spPr/>
-        <p:txBody>
-          <a:bodyPr/>
-          <a:lstStyle/>
-          <a:p>
-            <a:fld id="{E36C4827-840E-4EC5-B0B2-4EAAD02724FF}" type="slidenum">
-              <a:rPr lang="en-US" smtClean="0"/>
-              <a:t>13</a:t>
-            </a:fld>
-            <a:endParaRPr lang="en-US"/>
-          </a:p>
-        </p:txBody>
-      </p:sp>
-    </p:spTree>
-    <p:extLst>
-      <p:ext uri="{BB962C8B-B14F-4D97-AF65-F5344CB8AC3E}">
-        <p14:creationId xmlns:p14="http://schemas.microsoft.com/office/powerpoint/2010/main" val="1377911668"/>
-      </p:ext>
-    </p:extLst>
-  </p:cSld>
-  <p:clrMapOvr>
-    <a:masterClrMapping/>
-  </p:clrMapOvr>
-</p:notes>
-</file>
-
-<file path=ppt/notesSlides/notesSlide9.xml><?xml version="1.0" encoding="utf-8"?>
-<p:notes xmlns:a="http://schemas.openxmlformats.org/drawingml/2006/main" xmlns:r="http://schemas.openxmlformats.org/officeDocument/2006/relationships" xmlns:p="http://schemas.openxmlformats.org/presentationml/2006/main">
-  <p:cSld>
-    <p:spTree>
-      <p:nvGrpSpPr>
-        <p:cNvPr id="1" name=""/>
-        <p:cNvGrpSpPr/>
-        <p:nvPr/>
-      </p:nvGrpSpPr>
-      <p:grpSpPr>
-        <a:xfrm>
-          <a:off x="0" y="0"/>
-          <a:ext cx="0" cy="0"/>
-          <a:chOff x="0" y="0"/>
-          <a:chExt cx="0" cy="0"/>
-        </a:xfrm>
-      </p:grpSpPr>
-      <p:sp>
-        <p:nvSpPr>
-          <p:cNvPr id="2" name="Slide Image Placeholder 1"/>
-          <p:cNvSpPr>
-            <a:spLocks noGrp="1" noRot="1" noChangeAspect="1"/>
-          </p:cNvSpPr>
-          <p:nvPr>
-            <p:ph type="sldImg"/>
-          </p:nvPr>
-        </p:nvSpPr>
-        <p:spPr/>
-      </p:sp>
-      <p:sp>
-        <p:nvSpPr>
-          <p:cNvPr id="3" name="Notes Placeholder 2"/>
-          <p:cNvSpPr>
-            <a:spLocks noGrp="1"/>
-          </p:cNvSpPr>
-          <p:nvPr>
-            <p:ph type="body" idx="1"/>
-          </p:nvPr>
-        </p:nvSpPr>
-        <p:spPr/>
-        <p:txBody>
-          <a:bodyPr/>
-          <a:lstStyle/>
-          <a:p>
-            <a:endParaRPr lang="en-US" dirty="0"/>
-          </a:p>
-        </p:txBody>
-      </p:sp>
-      <p:sp>
-        <p:nvSpPr>
-          <p:cNvPr id="4" name="Slide Number Placeholder 3"/>
-          <p:cNvSpPr>
-            <a:spLocks noGrp="1"/>
-          </p:cNvSpPr>
-          <p:nvPr>
-            <p:ph type="sldNum" sz="quarter" idx="10"/>
-          </p:nvPr>
-        </p:nvSpPr>
-        <p:spPr/>
-        <p:txBody>
-          <a:bodyPr/>
-          <a:lstStyle/>
-          <a:p>
-            <a:fld id="{E36C4827-840E-4EC5-B0B2-4EAAD02724FF}" type="slidenum">
-              <a:rPr lang="en-US" smtClean="0"/>
-              <a:t>14</a:t>
-            </a:fld>
-            <a:endParaRPr lang="en-US"/>
-          </a:p>
-        </p:txBody>
-      </p:sp>
-    </p:spTree>
-    <p:extLst>
-      <p:ext uri="{BB962C8B-B14F-4D97-AF65-F5344CB8AC3E}">
-        <p14:creationId xmlns:p14="http://schemas.microsoft.com/office/powerpoint/2010/main" val="994736307"/>
+        <p14:creationId xmlns:p14="http://schemas.microsoft.com/office/powerpoint/2010/main" val="882238867"/>
       </p:ext>
     </p:extLst>
   </p:cSld>
@@ -1728,7 +1302,7 @@
           <a:p>
             <a:fld id="{477A1531-9024-480F-9D7B-19915C1DCDF5}" type="datetimeFigureOut">
               <a:rPr lang="en-GB" smtClean="0"/>
-              <a:t>24/11/2024</a:t>
+              <a:t>27/02/2026</a:t>
             </a:fld>
             <a:endParaRPr lang="en-GB"/>
           </a:p>
@@ -1898,7 +1472,7 @@
           <a:p>
             <a:fld id="{477A1531-9024-480F-9D7B-19915C1DCDF5}" type="datetimeFigureOut">
               <a:rPr lang="en-GB" smtClean="0"/>
-              <a:t>24/11/2024</a:t>
+              <a:t>27/02/2026</a:t>
             </a:fld>
             <a:endParaRPr lang="en-GB"/>
           </a:p>
@@ -2078,7 +1652,7 @@
           <a:p>
             <a:fld id="{477A1531-9024-480F-9D7B-19915C1DCDF5}" type="datetimeFigureOut">
               <a:rPr lang="en-GB" smtClean="0"/>
-              <a:t>24/11/2024</a:t>
+              <a:t>27/02/2026</a:t>
             </a:fld>
             <a:endParaRPr lang="en-GB"/>
           </a:p>
@@ -2248,7 +1822,7 @@
           <a:p>
             <a:fld id="{477A1531-9024-480F-9D7B-19915C1DCDF5}" type="datetimeFigureOut">
               <a:rPr lang="en-GB" smtClean="0"/>
-              <a:t>24/11/2024</a:t>
+              <a:t>27/02/2026</a:t>
             </a:fld>
             <a:endParaRPr lang="en-GB"/>
           </a:p>
@@ -2494,7 +2068,7 @@
           <a:p>
             <a:fld id="{477A1531-9024-480F-9D7B-19915C1DCDF5}" type="datetimeFigureOut">
               <a:rPr lang="en-GB" smtClean="0"/>
-              <a:t>24/11/2024</a:t>
+              <a:t>27/02/2026</a:t>
             </a:fld>
             <a:endParaRPr lang="en-GB"/>
           </a:p>
@@ -2726,7 +2300,7 @@
           <a:p>
             <a:fld id="{477A1531-9024-480F-9D7B-19915C1DCDF5}" type="datetimeFigureOut">
               <a:rPr lang="en-GB" smtClean="0"/>
-              <a:t>24/11/2024</a:t>
+              <a:t>27/02/2026</a:t>
             </a:fld>
             <a:endParaRPr lang="en-GB"/>
           </a:p>
@@ -3093,7 +2667,7 @@
           <a:p>
             <a:fld id="{477A1531-9024-480F-9D7B-19915C1DCDF5}" type="datetimeFigureOut">
               <a:rPr lang="en-GB" smtClean="0"/>
-              <a:t>24/11/2024</a:t>
+              <a:t>27/02/2026</a:t>
             </a:fld>
             <a:endParaRPr lang="en-GB"/>
           </a:p>
@@ -3211,7 +2785,7 @@
           <a:p>
             <a:fld id="{477A1531-9024-480F-9D7B-19915C1DCDF5}" type="datetimeFigureOut">
               <a:rPr lang="en-GB" smtClean="0"/>
-              <a:t>24/11/2024</a:t>
+              <a:t>27/02/2026</a:t>
             </a:fld>
             <a:endParaRPr lang="en-GB"/>
           </a:p>
@@ -3306,7 +2880,7 @@
           <a:p>
             <a:fld id="{477A1531-9024-480F-9D7B-19915C1DCDF5}" type="datetimeFigureOut">
               <a:rPr lang="en-GB" smtClean="0"/>
-              <a:t>24/11/2024</a:t>
+              <a:t>27/02/2026</a:t>
             </a:fld>
             <a:endParaRPr lang="en-GB"/>
           </a:p>
@@ -3583,7 +3157,7 @@
           <a:p>
             <a:fld id="{477A1531-9024-480F-9D7B-19915C1DCDF5}" type="datetimeFigureOut">
               <a:rPr lang="en-GB" smtClean="0"/>
-              <a:t>24/11/2024</a:t>
+              <a:t>27/02/2026</a:t>
             </a:fld>
             <a:endParaRPr lang="en-GB"/>
           </a:p>
@@ -3836,7 +3410,7 @@
           <a:p>
             <a:fld id="{477A1531-9024-480F-9D7B-19915C1DCDF5}" type="datetimeFigureOut">
               <a:rPr lang="en-GB" smtClean="0"/>
-              <a:t>24/11/2024</a:t>
+              <a:t>27/02/2026</a:t>
             </a:fld>
             <a:endParaRPr lang="en-GB"/>
           </a:p>
@@ -4049,7 +3623,7 @@
           <a:p>
             <a:fld id="{477A1531-9024-480F-9D7B-19915C1DCDF5}" type="datetimeFigureOut">
               <a:rPr lang="en-GB" smtClean="0"/>
-              <a:t>24/11/2024</a:t>
+              <a:t>27/02/2026</a:t>
             </a:fld>
             <a:endParaRPr lang="en-GB"/>
           </a:p>
@@ -4488,7 +4062,7 @@
                 <a:ea typeface="Lato" panose="020B0604020202020204" pitchFamily="34" charset="0"/>
                 <a:cs typeface="Helvetica" panose="020B0604020202020204" pitchFamily="34" charset="0"/>
               </a:rPr>
-              <a:t>decision tree models</a:t>
+              <a:t>Principle components analysis</a:t>
             </a:r>
             <a:endParaRPr lang="en-GB" sz="2800" dirty="0">
               <a:latin typeface="+mj-lt"/>
@@ -4500,347 +4074,10 @@
       </p:sp>
       <p:pic>
         <p:nvPicPr>
-          <p:cNvPr id="1026" name="Picture 2">
+          <p:cNvPr id="4" name="Picture 3">
             <a:extLst>
               <a:ext uri="{FF2B5EF4-FFF2-40B4-BE49-F238E27FC236}">
-                <a16:creationId xmlns:a16="http://schemas.microsoft.com/office/drawing/2014/main" id="{466F50F7-913E-E67D-09BF-3713A97EE9C3}"/>
-              </a:ext>
-            </a:extLst>
-          </p:cNvPr>
-          <p:cNvPicPr>
-            <a:picLocks noChangeAspect="1" noChangeArrowheads="1"/>
-          </p:cNvPicPr>
-          <p:nvPr/>
-        </p:nvPicPr>
-        <p:blipFill>
-          <a:blip r:embed="rId3">
-            <a:extLst>
-              <a:ext uri="{28A0092B-C50C-407E-A947-70E740481C1C}">
-                <a14:useLocalDpi xmlns:a14="http://schemas.microsoft.com/office/drawing/2010/main" val="0"/>
-              </a:ext>
-            </a:extLst>
-          </a:blip>
-          <a:srcRect/>
-          <a:stretch>
-            <a:fillRect/>
-          </a:stretch>
-        </p:blipFill>
-        <p:spPr bwMode="auto">
-          <a:xfrm>
-            <a:off x="6115051" y="2156055"/>
-            <a:ext cx="5894342" cy="4172985"/>
-          </a:xfrm>
-          <a:prstGeom prst="rect">
-            <a:avLst/>
-          </a:prstGeom>
-          <a:noFill/>
-          <a:extLst>
-            <a:ext uri="{909E8E84-426E-40DD-AFC4-6F175D3DCCD1}">
-              <a14:hiddenFill xmlns:a14="http://schemas.microsoft.com/office/drawing/2010/main">
-                <a:solidFill>
-                  <a:srgbClr val="FFFFFF"/>
-                </a:solidFill>
-              </a14:hiddenFill>
-            </a:ext>
-          </a:extLst>
-        </p:spPr>
-      </p:pic>
-      <p:pic>
-        <p:nvPicPr>
-          <p:cNvPr id="1028" name="Picture 4" descr="Entropy: How Decision Trees Make Decisions | by Sam T | Towards Data Science">
-            <a:extLst>
-              <a:ext uri="{FF2B5EF4-FFF2-40B4-BE49-F238E27FC236}">
-                <a16:creationId xmlns:a16="http://schemas.microsoft.com/office/drawing/2014/main" id="{A72BE986-0CB7-19BC-8F2C-A96A4AC020C3}"/>
-              </a:ext>
-            </a:extLst>
-          </p:cNvPr>
-          <p:cNvPicPr>
-            <a:picLocks noChangeAspect="1" noChangeArrowheads="1"/>
-          </p:cNvPicPr>
-          <p:nvPr/>
-        </p:nvPicPr>
-        <p:blipFill>
-          <a:blip r:embed="rId4">
-            <a:extLst>
-              <a:ext uri="{28A0092B-C50C-407E-A947-70E740481C1C}">
-                <a14:useLocalDpi xmlns:a14="http://schemas.microsoft.com/office/drawing/2010/main" val="0"/>
-              </a:ext>
-            </a:extLst>
-          </a:blip>
-          <a:srcRect/>
-          <a:stretch>
-            <a:fillRect/>
-          </a:stretch>
-        </p:blipFill>
-        <p:spPr bwMode="auto">
-          <a:xfrm>
-            <a:off x="810350" y="1084235"/>
-            <a:ext cx="5108363" cy="5029200"/>
-          </a:xfrm>
-          <a:prstGeom prst="rect">
-            <a:avLst/>
-          </a:prstGeom>
-          <a:noFill/>
-          <a:extLst>
-            <a:ext uri="{909E8E84-426E-40DD-AFC4-6F175D3DCCD1}">
-              <a14:hiddenFill xmlns:a14="http://schemas.microsoft.com/office/drawing/2010/main">
-                <a:solidFill>
-                  <a:srgbClr val="FFFFFF"/>
-                </a:solidFill>
-              </a14:hiddenFill>
-            </a:ext>
-          </a:extLst>
-        </p:spPr>
-      </p:pic>
-      <p:pic>
-        <p:nvPicPr>
-          <p:cNvPr id="1030" name="Picture 6">
-            <a:extLst>
-              <a:ext uri="{FF2B5EF4-FFF2-40B4-BE49-F238E27FC236}">
-                <a16:creationId xmlns:a16="http://schemas.microsoft.com/office/drawing/2014/main" id="{ED51A179-2E1F-A646-2D29-E4A17F721819}"/>
-              </a:ext>
-            </a:extLst>
-          </p:cNvPr>
-          <p:cNvPicPr>
-            <a:picLocks noChangeAspect="1" noChangeArrowheads="1"/>
-          </p:cNvPicPr>
-          <p:nvPr/>
-        </p:nvPicPr>
-        <p:blipFill>
-          <a:blip r:embed="rId5">
-            <a:extLst>
-              <a:ext uri="{28A0092B-C50C-407E-A947-70E740481C1C}">
-                <a14:useLocalDpi xmlns:a14="http://schemas.microsoft.com/office/drawing/2010/main" val="0"/>
-              </a:ext>
-            </a:extLst>
-          </a:blip>
-          <a:srcRect/>
-          <a:stretch>
-            <a:fillRect/>
-          </a:stretch>
-        </p:blipFill>
-        <p:spPr bwMode="auto">
-          <a:xfrm>
-            <a:off x="7421200" y="1178688"/>
-            <a:ext cx="3724275" cy="866775"/>
-          </a:xfrm>
-          <a:prstGeom prst="rect">
-            <a:avLst/>
-          </a:prstGeom>
-          <a:noFill/>
-          <a:extLst>
-            <a:ext uri="{909E8E84-426E-40DD-AFC4-6F175D3DCCD1}">
-              <a14:hiddenFill xmlns:a14="http://schemas.microsoft.com/office/drawing/2010/main">
-                <a:solidFill>
-                  <a:srgbClr val="FFFFFF"/>
-                </a:solidFill>
-              </a14:hiddenFill>
-            </a:ext>
-          </a:extLst>
-        </p:spPr>
-      </p:pic>
-      <p:pic>
-        <p:nvPicPr>
-          <p:cNvPr id="3" name="Picture 4" descr="Entropy: How Decision Trees Make Decisions | by Sam T | Towards Data Science">
-            <a:extLst>
-              <a:ext uri="{FF2B5EF4-FFF2-40B4-BE49-F238E27FC236}">
-                <a16:creationId xmlns:a16="http://schemas.microsoft.com/office/drawing/2014/main" id="{C1545E87-DE42-8760-8B88-D6A16C559900}"/>
-              </a:ext>
-            </a:extLst>
-          </p:cNvPr>
-          <p:cNvPicPr>
-            <a:picLocks noChangeAspect="1" noChangeArrowheads="1"/>
-          </p:cNvPicPr>
-          <p:nvPr/>
-        </p:nvPicPr>
-        <p:blipFill rotWithShape="1">
-          <a:blip r:embed="rId4">
-            <a:extLst>
-              <a:ext uri="{28A0092B-C50C-407E-A947-70E740481C1C}">
-                <a14:useLocalDpi xmlns:a14="http://schemas.microsoft.com/office/drawing/2010/main" val="0"/>
-              </a:ext>
-            </a:extLst>
-          </a:blip>
-          <a:srcRect l="57501" t="12746" r="38682" b="83617"/>
-          <a:stretch/>
-        </p:blipFill>
-        <p:spPr bwMode="auto">
-          <a:xfrm>
-            <a:off x="9159172" y="5919125"/>
-            <a:ext cx="194990" cy="182880"/>
-          </a:xfrm>
-          <a:prstGeom prst="rect">
-            <a:avLst/>
-          </a:prstGeom>
-          <a:noFill/>
-          <a:extLst>
-            <a:ext uri="{909E8E84-426E-40DD-AFC4-6F175D3DCCD1}">
-              <a14:hiddenFill xmlns:a14="http://schemas.microsoft.com/office/drawing/2010/main">
-                <a:solidFill>
-                  <a:srgbClr val="FFFFFF"/>
-                </a:solidFill>
-              </a14:hiddenFill>
-            </a:ext>
-          </a:extLst>
-        </p:spPr>
-      </p:pic>
-    </p:spTree>
-    <p:extLst>
-      <p:ext uri="{BB962C8B-B14F-4D97-AF65-F5344CB8AC3E}">
-        <p14:creationId xmlns:p14="http://schemas.microsoft.com/office/powerpoint/2010/main" val="4071848948"/>
-      </p:ext>
-    </p:extLst>
-  </p:cSld>
-  <p:clrMapOvr>
-    <a:masterClrMapping/>
-  </p:clrMapOvr>
-</p:sld>
-</file>
-
-<file path=ppt/slides/slide10.xml><?xml version="1.0" encoding="utf-8"?>
-<p:sld xmlns:a="http://schemas.openxmlformats.org/drawingml/2006/main" xmlns:r="http://schemas.openxmlformats.org/officeDocument/2006/relationships" xmlns:p="http://schemas.openxmlformats.org/presentationml/2006/main">
-  <p:cSld>
-    <p:spTree>
-      <p:nvGrpSpPr>
-        <p:cNvPr id="1" name=""/>
-        <p:cNvGrpSpPr/>
-        <p:nvPr/>
-      </p:nvGrpSpPr>
-      <p:grpSpPr>
-        <a:xfrm>
-          <a:off x="0" y="0"/>
-          <a:ext cx="0" cy="0"/>
-          <a:chOff x="0" y="0"/>
-          <a:chExt cx="0" cy="0"/>
-        </a:xfrm>
-      </p:grpSpPr>
-      <p:sp>
-        <p:nvSpPr>
-          <p:cNvPr id="5" name="TextBox 4"/>
-          <p:cNvSpPr txBox="1"/>
-          <p:nvPr/>
-        </p:nvSpPr>
-        <p:spPr>
-          <a:xfrm>
-            <a:off x="1172211" y="1599995"/>
-            <a:ext cx="9130555" cy="2246769"/>
-          </a:xfrm>
-          <a:prstGeom prst="rect">
-            <a:avLst/>
-          </a:prstGeom>
-          <a:noFill/>
-        </p:spPr>
-        <p:txBody>
-          <a:bodyPr wrap="square" rtlCol="0">
-            <a:spAutoFit/>
-          </a:bodyPr>
-          <a:lstStyle/>
-          <a:p>
-            <a:pPr marL="342900" indent="-342900">
-              <a:buFont typeface="Courier New" panose="02070309020205020404" pitchFamily="49" charset="0"/>
-              <a:buChar char="o"/>
-            </a:pPr>
-            <a:r>
-              <a:rPr lang="en-US" sz="2000" dirty="0">
-                <a:latin typeface="Calibri" panose="020F0502020204030204" pitchFamily="34" charset="0"/>
-              </a:rPr>
-              <a:t>Simulate the notion of different train set samples:</a:t>
-            </a:r>
-          </a:p>
-          <a:p>
-            <a:pPr marL="342900" indent="-342900">
-              <a:buFont typeface="Courier New" panose="02070309020205020404" pitchFamily="49" charset="0"/>
-              <a:buChar char="o"/>
-            </a:pPr>
-            <a:endParaRPr lang="en-US" sz="2000" dirty="0">
-              <a:latin typeface="Calibri" panose="020F0502020204030204" pitchFamily="34" charset="0"/>
-            </a:endParaRPr>
-          </a:p>
-          <a:p>
-            <a:pPr marL="1371600" lvl="2" indent="-457200">
-              <a:buFont typeface="+mj-lt"/>
-              <a:buAutoNum type="arabicPeriod"/>
-            </a:pPr>
-            <a:r>
-              <a:rPr lang="en-US" sz="2000" dirty="0">
-                <a:latin typeface="Calibri" panose="020F0502020204030204" pitchFamily="34" charset="0"/>
-              </a:rPr>
-              <a:t>sample data points from train set to create new train set</a:t>
-            </a:r>
-          </a:p>
-          <a:p>
-            <a:pPr marL="1371600" lvl="2" indent="-457200">
-              <a:buFont typeface="+mj-lt"/>
-              <a:buAutoNum type="arabicPeriod"/>
-            </a:pPr>
-            <a:r>
-              <a:rPr lang="en-US" sz="2000" dirty="0">
-                <a:latin typeface="Calibri" panose="020F0502020204030204" pitchFamily="34" charset="0"/>
-              </a:rPr>
-              <a:t>fit low bias high variance model on new train set</a:t>
-            </a:r>
-          </a:p>
-          <a:p>
-            <a:pPr marL="1371600" lvl="2" indent="-457200">
-              <a:buFont typeface="+mj-lt"/>
-              <a:buAutoNum type="arabicPeriod"/>
-            </a:pPr>
-            <a:r>
-              <a:rPr lang="en-US" sz="2000" dirty="0">
-                <a:latin typeface="Calibri" panose="020F0502020204030204" pitchFamily="34" charset="0"/>
-              </a:rPr>
-              <a:t>repeat steps (1) and (2) </a:t>
-            </a:r>
-            <a:r>
-              <a:rPr lang="en-US" sz="2000" i="1" dirty="0">
-                <a:latin typeface="Calibri" panose="020F0502020204030204" pitchFamily="34" charset="0"/>
-              </a:rPr>
-              <a:t>T</a:t>
-            </a:r>
-            <a:r>
-              <a:rPr lang="en-US" sz="2000" dirty="0">
-                <a:latin typeface="Calibri" panose="020F0502020204030204" pitchFamily="34" charset="0"/>
-              </a:rPr>
-              <a:t> times</a:t>
-            </a:r>
-          </a:p>
-          <a:p>
-            <a:pPr marL="1371600" lvl="2" indent="-457200">
-              <a:buFont typeface="+mj-lt"/>
-              <a:buAutoNum type="arabicPeriod"/>
-            </a:pPr>
-            <a:r>
-              <a:rPr lang="en-US" sz="2000" dirty="0">
-                <a:latin typeface="Calibri" panose="020F0502020204030204" pitchFamily="34" charset="0"/>
-              </a:rPr>
-              <a:t>average the predictions of the </a:t>
-            </a:r>
-            <a:r>
-              <a:rPr lang="en-US" sz="2000" i="1" dirty="0">
-                <a:latin typeface="Calibri" panose="020F0502020204030204" pitchFamily="34" charset="0"/>
-              </a:rPr>
-              <a:t>T</a:t>
-            </a:r>
-            <a:r>
-              <a:rPr lang="en-US" sz="2000" dirty="0">
-                <a:latin typeface="Calibri" panose="020F0502020204030204" pitchFamily="34" charset="0"/>
-              </a:rPr>
-              <a:t> models  </a:t>
-            </a:r>
-          </a:p>
-          <a:p>
-            <a:endParaRPr lang="nl-BE" sz="2000" dirty="0">
-              <a:latin typeface="Calibri" panose="020F0502020204030204" pitchFamily="34" charset="0"/>
-            </a:endParaRPr>
-          </a:p>
-        </p:txBody>
-      </p:sp>
-      <p:pic>
-        <p:nvPicPr>
-          <p:cNvPr id="6" name="Picture 5">
-            <a:extLst>
-              <a:ext uri="{FF2B5EF4-FFF2-40B4-BE49-F238E27FC236}">
-                <a16:creationId xmlns:a16="http://schemas.microsoft.com/office/drawing/2014/main" id="{0249A3C4-5E88-4059-831F-EFBC517E5ACF}"/>
+                <a16:creationId xmlns:a16="http://schemas.microsoft.com/office/drawing/2014/main" id="{1DADC0B3-4354-CEF2-6518-53D4BFE8247E}"/>
               </a:ext>
             </a:extLst>
           </p:cNvPr>
@@ -4857,8 +4094,8 @@
         </p:blipFill>
         <p:spPr>
           <a:xfrm>
-            <a:off x="4175906" y="3957123"/>
-            <a:ext cx="3123164" cy="1098995"/>
+            <a:off x="6219825" y="866775"/>
+            <a:ext cx="5410200" cy="5410200"/>
           </a:xfrm>
           <a:prstGeom prst="rect">
             <a:avLst/>
@@ -4867,10 +4104,10 @@
       </p:pic>
       <p:sp>
         <p:nvSpPr>
-          <p:cNvPr id="3" name="TextBox 2">
+          <p:cNvPr id="6" name="TextBox 5">
             <a:extLst>
               <a:ext uri="{FF2B5EF4-FFF2-40B4-BE49-F238E27FC236}">
-                <a16:creationId xmlns:a16="http://schemas.microsoft.com/office/drawing/2014/main" id="{601EFCC3-E053-4D11-0B65-292DD2846A6C}"/>
+                <a16:creationId xmlns:a16="http://schemas.microsoft.com/office/drawing/2014/main" id="{AE29C7FF-9A1E-8E84-408A-8C78B39FACB3}"/>
               </a:ext>
             </a:extLst>
           </p:cNvPr>
@@ -4879,8 +4116,8 @@
         </p:nvSpPr>
         <p:spPr>
           <a:xfrm>
-            <a:off x="241301" y="129804"/>
-            <a:ext cx="11747500" cy="523220"/>
+            <a:off x="390525" y="962025"/>
+            <a:ext cx="5581651" cy="4401205"/>
           </a:xfrm>
           <a:prstGeom prst="rect">
             <a:avLst/>
@@ -4893,26 +4130,82 @@
           </a:bodyPr>
           <a:lstStyle/>
           <a:p>
-            <a:r>
-              <a:rPr lang="en-US" sz="2800" dirty="0">
-                <a:latin typeface="+mj-lt"/>
-                <a:ea typeface="Lato" panose="020B0604020202020204" pitchFamily="34" charset="0"/>
-                <a:cs typeface="Helvetica" panose="020B0604020202020204" pitchFamily="34" charset="0"/>
-              </a:rPr>
-              <a:t>bagging</a:t>
-            </a:r>
-            <a:endParaRPr lang="en-GB" sz="2800" dirty="0">
-              <a:latin typeface="+mj-lt"/>
-              <a:ea typeface="Lato" panose="020B0604020202020204" pitchFamily="34" charset="0"/>
-              <a:cs typeface="Helvetica" panose="020B0604020202020204" pitchFamily="34" charset="0"/>
-            </a:endParaRPr>
+            <a:pPr marL="285750" indent="-285750">
+              <a:buFont typeface="Arial" panose="020B0604020202020204" pitchFamily="34" charset="0"/>
+              <a:buChar char="•"/>
+            </a:pPr>
+            <a:r>
+              <a:rPr lang="en-US" sz="2800" dirty="0"/>
+              <a:t>Unsupervised</a:t>
+            </a:r>
+          </a:p>
+          <a:p>
+            <a:endParaRPr lang="en-US" sz="2800" dirty="0"/>
+          </a:p>
+          <a:p>
+            <a:pPr marL="285750" indent="-285750">
+              <a:buFont typeface="Arial" panose="020B0604020202020204" pitchFamily="34" charset="0"/>
+              <a:buChar char="•"/>
+            </a:pPr>
+            <a:r>
+              <a:rPr lang="en-US" sz="2800" dirty="0"/>
+              <a:t>Dimensionality reduction</a:t>
+            </a:r>
+          </a:p>
+          <a:p>
+            <a:endParaRPr lang="en-US" sz="2800" dirty="0"/>
+          </a:p>
+          <a:p>
+            <a:pPr marL="285750" indent="-285750">
+              <a:buFont typeface="Arial" panose="020B0604020202020204" pitchFamily="34" charset="0"/>
+              <a:buChar char="•"/>
+            </a:pPr>
+            <a:r>
+              <a:rPr lang="en-US" sz="2800" dirty="0"/>
+              <a:t>Feature extraction: principle components</a:t>
+            </a:r>
+          </a:p>
+          <a:p>
+            <a:pPr marL="742950" lvl="1" indent="-285750">
+              <a:buFont typeface="Arial" panose="020B0604020202020204" pitchFamily="34" charset="0"/>
+              <a:buChar char="•"/>
+            </a:pPr>
+            <a:r>
+              <a:rPr lang="en-US" sz="2800" dirty="0"/>
+              <a:t>Orthogonal</a:t>
+            </a:r>
+          </a:p>
+          <a:p>
+            <a:pPr marL="742950" lvl="1" indent="-285750">
+              <a:buFont typeface="Arial" panose="020B0604020202020204" pitchFamily="34" charset="0"/>
+              <a:buChar char="•"/>
+            </a:pPr>
+            <a:r>
+              <a:rPr lang="en-US" sz="2800" dirty="0"/>
+              <a:t>Direction of largest variance</a:t>
+            </a:r>
+          </a:p>
+          <a:p>
+            <a:pPr lvl="1"/>
+            <a:endParaRPr lang="en-US" sz="2800" dirty="0"/>
+          </a:p>
+          <a:p>
+            <a:pPr marL="285750" indent="-285750">
+              <a:buFont typeface="Arial" panose="020B0604020202020204" pitchFamily="34" charset="0"/>
+              <a:buChar char="•"/>
+            </a:pPr>
+            <a:r>
+              <a:rPr lang="en-US" sz="2800" dirty="0"/>
+              <a:t>Centered data</a:t>
+            </a:r>
+            <a:endParaRPr lang="en-NL" sz="2800" dirty="0"/>
           </a:p>
         </p:txBody>
       </p:sp>
     </p:spTree>
     <p:extLst>
       <p:ext uri="{BB962C8B-B14F-4D97-AF65-F5344CB8AC3E}">
-        <p14:creationId xmlns:p14="http://schemas.microsoft.com/office/powerpoint/2010/main" val="2039997518"/>
+        <p14:creationId xmlns:p14="http://schemas.microsoft.com/office/powerpoint/2010/main" val="4071848948"/>
       </p:ext>
     </p:extLst>
   </p:cSld>
@@ -4922,12 +4215,18 @@
 </p:sld>
 </file>
 
-<file path=ppt/slides/slide11.xml><?xml version="1.0" encoding="utf-8"?>
+<file path=ppt/slides/slide2.xml><?xml version="1.0" encoding="utf-8"?>
 <p:sld xmlns:a="http://schemas.openxmlformats.org/drawingml/2006/main" xmlns:r="http://schemas.openxmlformats.org/officeDocument/2006/relationships" xmlns:p="http://schemas.openxmlformats.org/presentationml/2006/main">
   <p:cSld>
     <p:spTree>
       <p:nvGrpSpPr>
-        <p:cNvPr id="1" name=""/>
+        <p:cNvPr id="1" name="">
+          <a:extLst>
+            <a:ext uri="{FF2B5EF4-FFF2-40B4-BE49-F238E27FC236}">
+              <a16:creationId xmlns:a16="http://schemas.microsoft.com/office/drawing/2014/main" id="{E0D3FB57-5ACB-B2DC-4D6A-68856B6B0392}"/>
+            </a:ext>
+          </a:extLst>
+        </p:cNvPr>
         <p:cNvGrpSpPr/>
         <p:nvPr/>
       </p:nvGrpSpPr>
@@ -4941,207 +4240,10 @@
       </p:grpSpPr>
       <p:sp>
         <p:nvSpPr>
-          <p:cNvPr id="6" name="TextBox 5">
+          <p:cNvPr id="5" name="TextBox 4">
             <a:extLst>
               <a:ext uri="{FF2B5EF4-FFF2-40B4-BE49-F238E27FC236}">
-                <a16:creationId xmlns:a16="http://schemas.microsoft.com/office/drawing/2014/main" id="{3CCBBB6A-936C-4DBC-9897-6E7F636B914D}"/>
-              </a:ext>
-            </a:extLst>
-          </p:cNvPr>
-          <p:cNvSpPr txBox="1"/>
-          <p:nvPr/>
-        </p:nvSpPr>
-        <p:spPr>
-          <a:xfrm>
-            <a:off x="1489841" y="1529255"/>
-            <a:ext cx="8994228" cy="3693319"/>
-          </a:xfrm>
-          <a:prstGeom prst="rect">
-            <a:avLst/>
-          </a:prstGeom>
-          <a:noFill/>
-        </p:spPr>
-        <p:txBody>
-          <a:bodyPr wrap="square" rtlCol="0">
-            <a:spAutoFit/>
-          </a:bodyPr>
-          <a:lstStyle/>
-          <a:p>
-            <a:pPr marL="285750" indent="-285750">
-              <a:buFont typeface="Courier New" panose="02070309020205020404" pitchFamily="49" charset="0"/>
-              <a:buChar char="o"/>
-            </a:pPr>
-            <a:r>
-              <a:rPr lang="en-GB" dirty="0"/>
-              <a:t>Train set contains </a:t>
-            </a:r>
-            <a:r>
-              <a:rPr lang="en-GB" i="1" dirty="0"/>
-              <a:t>n</a:t>
-            </a:r>
-            <a:r>
-              <a:rPr lang="en-GB" dirty="0"/>
-              <a:t> data points with </a:t>
-            </a:r>
-            <a:r>
-              <a:rPr lang="en-GB" i="1" dirty="0"/>
-              <a:t>m</a:t>
-            </a:r>
-            <a:r>
-              <a:rPr lang="en-GB" dirty="0"/>
-              <a:t> features.</a:t>
-            </a:r>
-          </a:p>
-          <a:p>
-            <a:pPr marL="285750" indent="-285750">
-              <a:buFont typeface="Courier New" panose="02070309020205020404" pitchFamily="49" charset="0"/>
-              <a:buChar char="o"/>
-            </a:pPr>
-            <a:endParaRPr lang="en-GB" dirty="0"/>
-          </a:p>
-          <a:p>
-            <a:pPr marL="285750" indent="-285750">
-              <a:buFont typeface="Courier New" panose="02070309020205020404" pitchFamily="49" charset="0"/>
-              <a:buChar char="o"/>
-            </a:pPr>
-            <a:r>
-              <a:rPr lang="en-GB" dirty="0"/>
-              <a:t>Construct  </a:t>
-            </a:r>
-            <a:r>
-              <a:rPr lang="en-GB" i="1" dirty="0"/>
-              <a:t>T</a:t>
-            </a:r>
-            <a:r>
-              <a:rPr lang="en-GB" dirty="0"/>
-              <a:t> low bias high variance decision trees by following these steps:</a:t>
-            </a:r>
-          </a:p>
-          <a:p>
-            <a:pPr marL="285750" indent="-285750">
-              <a:buFont typeface="Courier New" panose="02070309020205020404" pitchFamily="49" charset="0"/>
-              <a:buChar char="o"/>
-            </a:pPr>
-            <a:endParaRPr lang="en-GB" dirty="0"/>
-          </a:p>
-          <a:p>
-            <a:pPr marL="800100" lvl="1" indent="-342900">
-              <a:buFont typeface="+mj-lt"/>
-              <a:buAutoNum type="arabicPeriod"/>
-            </a:pPr>
-            <a:r>
-              <a:rPr lang="en-GB" dirty="0"/>
-              <a:t>Sample </a:t>
-            </a:r>
-            <a:r>
-              <a:rPr lang="en-GB" b="1" i="1" dirty="0"/>
-              <a:t>n</a:t>
-            </a:r>
-            <a:r>
-              <a:rPr lang="en-GB" dirty="0"/>
-              <a:t> data points at random </a:t>
-            </a:r>
-            <a:r>
-              <a:rPr lang="en-GB" b="1" dirty="0"/>
-              <a:t>with replacement </a:t>
-            </a:r>
-            <a:r>
-              <a:rPr lang="en-GB" dirty="0"/>
-              <a:t>from the train set. </a:t>
-            </a:r>
-          </a:p>
-          <a:p>
-            <a:pPr marL="800100" lvl="1" indent="-342900">
-              <a:buFont typeface="+mj-lt"/>
-              <a:buAutoNum type="arabicPeriod"/>
-            </a:pPr>
-            <a:endParaRPr lang="en-GB" dirty="0"/>
-          </a:p>
-          <a:p>
-            <a:pPr marL="800100" lvl="1" indent="-342900">
-              <a:buFont typeface="+mj-lt"/>
-              <a:buAutoNum type="arabicPeriod"/>
-            </a:pPr>
-            <a:r>
-              <a:rPr lang="en-GB" dirty="0"/>
-              <a:t>At each node,  select </a:t>
-            </a:r>
-            <a:r>
-              <a:rPr lang="en-GB" i="1" dirty="0"/>
-              <a:t>h </a:t>
-            </a:r>
-            <a:r>
-              <a:rPr lang="en-GB" dirty="0"/>
-              <a:t>from </a:t>
-            </a:r>
-            <a:r>
-              <a:rPr lang="en-GB" i="1" dirty="0"/>
-              <a:t>m</a:t>
-            </a:r>
-            <a:r>
-              <a:rPr lang="en-GB" dirty="0"/>
-              <a:t>  features at random where </a:t>
-            </a:r>
-            <a:r>
-              <a:rPr lang="en-GB" i="1" dirty="0"/>
-              <a:t>(h&lt;&lt;m</a:t>
-            </a:r>
-            <a:r>
-              <a:rPr lang="en-GB" dirty="0"/>
-              <a:t>) and compute the best split using only these </a:t>
-            </a:r>
-            <a:r>
-              <a:rPr lang="en-GB" i="1" dirty="0"/>
-              <a:t>h</a:t>
-            </a:r>
-            <a:r>
-              <a:rPr lang="en-GB" dirty="0"/>
-              <a:t> features.</a:t>
-            </a:r>
-          </a:p>
-          <a:p>
-            <a:pPr marL="800100" lvl="1" indent="-342900">
-              <a:buFont typeface="+mj-lt"/>
-              <a:buAutoNum type="arabicPeriod"/>
-            </a:pPr>
-            <a:endParaRPr lang="en-GB" dirty="0"/>
-          </a:p>
-          <a:p>
-            <a:pPr marL="800100" lvl="1" indent="-342900">
-              <a:buFont typeface="+mj-lt"/>
-              <a:buAutoNum type="arabicPeriod"/>
-            </a:pPr>
-            <a:r>
-              <a:rPr lang="en-GB" dirty="0"/>
-              <a:t>Each tree is grown to the largest extent possible. Or at least to a high-level complexity</a:t>
-            </a:r>
-          </a:p>
-          <a:p>
-            <a:pPr marL="342900" indent="-342900">
-              <a:buFont typeface="+mj-lt"/>
-              <a:buAutoNum type="arabicPeriod"/>
-            </a:pPr>
-            <a:endParaRPr lang="en-GB" dirty="0"/>
-          </a:p>
-          <a:p>
-            <a:pPr marL="285750" indent="-285750">
-              <a:buFont typeface="Courier New" panose="02070309020205020404" pitchFamily="49" charset="0"/>
-              <a:buChar char="o"/>
-            </a:pPr>
-            <a:r>
-              <a:rPr lang="en-GB" dirty="0"/>
-              <a:t>Step 3 ensures that the bagged models are low bias by learning deep complex decision trees.</a:t>
-            </a:r>
-            <a:endParaRPr lang="nl-BE" dirty="0"/>
-          </a:p>
-        </p:txBody>
-      </p:sp>
-      <p:sp>
-        <p:nvSpPr>
-          <p:cNvPr id="3" name="TextBox 2">
-            <a:extLst>
-              <a:ext uri="{FF2B5EF4-FFF2-40B4-BE49-F238E27FC236}">
-                <a16:creationId xmlns:a16="http://schemas.microsoft.com/office/drawing/2014/main" id="{6ED126C6-BF52-3888-05E1-434D84BD3C9A}"/>
+                <a16:creationId xmlns:a16="http://schemas.microsoft.com/office/drawing/2014/main" id="{02E98C76-CC05-6EF1-96A3-FD8C18B34577}"/>
               </a:ext>
             </a:extLst>
           </p:cNvPr>
@@ -5170,7 +4272,7 @@
                 <a:ea typeface="Lato" panose="020B0604020202020204" pitchFamily="34" charset="0"/>
                 <a:cs typeface="Helvetica" panose="020B0604020202020204" pitchFamily="34" charset="0"/>
               </a:rPr>
-              <a:t>bagging: Random Forest</a:t>
+              <a:t>Principle components analysis</a:t>
             </a:r>
             <a:endParaRPr lang="en-GB" sz="2800" dirty="0">
               <a:latin typeface="+mj-lt"/>
@@ -5180,42 +4282,12 @@
           </a:p>
         </p:txBody>
       </p:sp>
-    </p:spTree>
-    <p:extLst>
-      <p:ext uri="{BB962C8B-B14F-4D97-AF65-F5344CB8AC3E}">
-        <p14:creationId xmlns:p14="http://schemas.microsoft.com/office/powerpoint/2010/main" val="1423335593"/>
-      </p:ext>
-    </p:extLst>
-  </p:cSld>
-  <p:clrMapOvr>
-    <a:masterClrMapping/>
-  </p:clrMapOvr>
-</p:sld>
-</file>
-
-<file path=ppt/slides/slide12.xml><?xml version="1.0" encoding="utf-8"?>
-<p:sld xmlns:a="http://schemas.openxmlformats.org/drawingml/2006/main" xmlns:r="http://schemas.openxmlformats.org/officeDocument/2006/relationships" xmlns:p="http://schemas.openxmlformats.org/presentationml/2006/main">
-  <p:cSld>
-    <p:spTree>
-      <p:nvGrpSpPr>
-        <p:cNvPr id="1" name=""/>
-        <p:cNvGrpSpPr/>
-        <p:nvPr/>
-      </p:nvGrpSpPr>
-      <p:grpSpPr>
-        <a:xfrm>
-          <a:off x="0" y="0"/>
-          <a:ext cx="0" cy="0"/>
-          <a:chOff x="0" y="0"/>
-          <a:chExt cx="0" cy="0"/>
-        </a:xfrm>
-      </p:grpSpPr>
       <p:pic>
         <p:nvPicPr>
           <p:cNvPr id="3" name="Picture 2">
             <a:extLst>
               <a:ext uri="{FF2B5EF4-FFF2-40B4-BE49-F238E27FC236}">
-                <a16:creationId xmlns:a16="http://schemas.microsoft.com/office/drawing/2014/main" id="{B88DD253-EE09-4318-B362-F8DD895BEE7E}"/>
+                <a16:creationId xmlns:a16="http://schemas.microsoft.com/office/drawing/2014/main" id="{EFF962B3-3D02-5FDC-0C3C-AE7598D0DCA4}"/>
               </a:ext>
             </a:extLst>
           </p:cNvPr>
@@ -5232,290 +4304,18 @@
         </p:blipFill>
         <p:spPr>
           <a:xfrm>
-            <a:off x="82094" y="1294814"/>
-            <a:ext cx="12027811" cy="4462519"/>
+            <a:off x="433387" y="950335"/>
+            <a:ext cx="11325225" cy="5471328"/>
           </a:xfrm>
           <a:prstGeom prst="rect">
             <a:avLst/>
           </a:prstGeom>
         </p:spPr>
       </p:pic>
-      <p:sp>
-        <p:nvSpPr>
-          <p:cNvPr id="4" name="TextBox 3">
-            <a:extLst>
-              <a:ext uri="{FF2B5EF4-FFF2-40B4-BE49-F238E27FC236}">
-                <a16:creationId xmlns:a16="http://schemas.microsoft.com/office/drawing/2014/main" id="{7AD5F254-81F9-CD11-65A8-2A12C0406247}"/>
-              </a:ext>
-            </a:extLst>
-          </p:cNvPr>
-          <p:cNvSpPr txBox="1"/>
-          <p:nvPr/>
-        </p:nvSpPr>
-        <p:spPr>
-          <a:xfrm>
-            <a:off x="241301" y="129804"/>
-            <a:ext cx="11747500" cy="523220"/>
-          </a:xfrm>
-          <a:prstGeom prst="rect">
-            <a:avLst/>
-          </a:prstGeom>
-          <a:noFill/>
-        </p:spPr>
-        <p:txBody>
-          <a:bodyPr wrap="square" rtlCol="0">
-            <a:spAutoFit/>
-          </a:bodyPr>
-          <a:lstStyle/>
-          <a:p>
-            <a:r>
-              <a:rPr lang="en-US" sz="2800" dirty="0">
-                <a:latin typeface="+mj-lt"/>
-                <a:ea typeface="Lato" panose="020B0604020202020204" pitchFamily="34" charset="0"/>
-                <a:cs typeface="Helvetica" panose="020B0604020202020204" pitchFamily="34" charset="0"/>
-              </a:rPr>
-              <a:t>bagging: Random Forest</a:t>
-            </a:r>
-            <a:endParaRPr lang="en-GB" sz="2800" dirty="0">
-              <a:latin typeface="+mj-lt"/>
-              <a:ea typeface="Lato" panose="020B0604020202020204" pitchFamily="34" charset="0"/>
-              <a:cs typeface="Helvetica" panose="020B0604020202020204" pitchFamily="34" charset="0"/>
-            </a:endParaRPr>
-          </a:p>
-        </p:txBody>
-      </p:sp>
-      <p:sp>
-        <p:nvSpPr>
-          <p:cNvPr id="8" name="Rectangle 7">
-            <a:extLst>
-              <a:ext uri="{FF2B5EF4-FFF2-40B4-BE49-F238E27FC236}">
-                <a16:creationId xmlns:a16="http://schemas.microsoft.com/office/drawing/2014/main" id="{89057897-8C02-4BBA-0F63-80499DF85091}"/>
-              </a:ext>
-            </a:extLst>
-          </p:cNvPr>
-          <p:cNvSpPr/>
-          <p:nvPr/>
-        </p:nvSpPr>
-        <p:spPr>
-          <a:xfrm>
-            <a:off x="82094" y="3180080"/>
-            <a:ext cx="477520" cy="497840"/>
-          </a:xfrm>
-          <a:prstGeom prst="rect">
-            <a:avLst/>
-          </a:prstGeom>
-          <a:solidFill>
-            <a:schemeClr val="bg1"/>
-          </a:solidFill>
-          <a:ln>
-            <a:solidFill>
-              <a:schemeClr val="bg1"/>
-            </a:solidFill>
-          </a:ln>
-        </p:spPr>
-        <p:style>
-          <a:lnRef idx="2">
-            <a:schemeClr val="accent1">
-              <a:shade val="15000"/>
-            </a:schemeClr>
-          </a:lnRef>
-          <a:fillRef idx="1">
-            <a:schemeClr val="accent1"/>
-          </a:fillRef>
-          <a:effectRef idx="0">
-            <a:schemeClr val="accent1"/>
-          </a:effectRef>
-          <a:fontRef idx="minor">
-            <a:schemeClr val="lt1"/>
-          </a:fontRef>
-        </p:style>
-        <p:txBody>
-          <a:bodyPr rtlCol="0" anchor="ctr"/>
-          <a:lstStyle/>
-          <a:p>
-            <a:pPr algn="ctr"/>
-            <a:r>
-              <a:rPr lang="en-US" dirty="0">
-                <a:solidFill>
-                  <a:schemeClr val="tx1"/>
-                </a:solidFill>
-              </a:rPr>
-              <a:t>X2</a:t>
-            </a:r>
-            <a:endParaRPr lang="en-NL" dirty="0">
-              <a:solidFill>
-                <a:schemeClr val="tx1"/>
-              </a:solidFill>
-            </a:endParaRPr>
-          </a:p>
-        </p:txBody>
-      </p:sp>
-      <p:sp>
-        <p:nvSpPr>
-          <p:cNvPr id="10" name="Rectangle 9">
-            <a:extLst>
-              <a:ext uri="{FF2B5EF4-FFF2-40B4-BE49-F238E27FC236}">
-                <a16:creationId xmlns:a16="http://schemas.microsoft.com/office/drawing/2014/main" id="{61C32A8A-89DD-861D-C233-5DDE05210810}"/>
-              </a:ext>
-            </a:extLst>
-          </p:cNvPr>
-          <p:cNvSpPr/>
-          <p:nvPr/>
-        </p:nvSpPr>
-        <p:spPr>
-          <a:xfrm>
-            <a:off x="3181350" y="3310890"/>
-            <a:ext cx="156210" cy="179070"/>
-          </a:xfrm>
-          <a:prstGeom prst="rect">
-            <a:avLst/>
-          </a:prstGeom>
-          <a:solidFill>
-            <a:schemeClr val="bg1"/>
-          </a:solidFill>
-          <a:ln>
-            <a:solidFill>
-              <a:schemeClr val="bg1"/>
-            </a:solidFill>
-          </a:ln>
-        </p:spPr>
-        <p:style>
-          <a:lnRef idx="2">
-            <a:schemeClr val="accent1">
-              <a:shade val="15000"/>
-            </a:schemeClr>
-          </a:lnRef>
-          <a:fillRef idx="1">
-            <a:schemeClr val="accent1"/>
-          </a:fillRef>
-          <a:effectRef idx="0">
-            <a:schemeClr val="accent1"/>
-          </a:effectRef>
-          <a:fontRef idx="minor">
-            <a:schemeClr val="lt1"/>
-          </a:fontRef>
-        </p:style>
-        <p:txBody>
-          <a:bodyPr rtlCol="0" anchor="ctr"/>
-          <a:lstStyle/>
-          <a:p>
-            <a:pPr algn="ctr"/>
-            <a:endParaRPr lang="en-NL"/>
-          </a:p>
-        </p:txBody>
-      </p:sp>
-      <p:sp>
-        <p:nvSpPr>
-          <p:cNvPr id="11" name="Rectangle 10">
-            <a:extLst>
-              <a:ext uri="{FF2B5EF4-FFF2-40B4-BE49-F238E27FC236}">
-                <a16:creationId xmlns:a16="http://schemas.microsoft.com/office/drawing/2014/main" id="{BD4FF766-6A5B-D430-E292-D68265078505}"/>
-              </a:ext>
-            </a:extLst>
-          </p:cNvPr>
-          <p:cNvSpPr/>
-          <p:nvPr/>
-        </p:nvSpPr>
-        <p:spPr>
-          <a:xfrm>
-            <a:off x="6115051" y="3310890"/>
-            <a:ext cx="156210" cy="179070"/>
-          </a:xfrm>
-          <a:prstGeom prst="rect">
-            <a:avLst/>
-          </a:prstGeom>
-          <a:solidFill>
-            <a:schemeClr val="bg1"/>
-          </a:solidFill>
-          <a:ln>
-            <a:solidFill>
-              <a:schemeClr val="bg1"/>
-            </a:solidFill>
-          </a:ln>
-        </p:spPr>
-        <p:style>
-          <a:lnRef idx="2">
-            <a:schemeClr val="accent1">
-              <a:shade val="15000"/>
-            </a:schemeClr>
-          </a:lnRef>
-          <a:fillRef idx="1">
-            <a:schemeClr val="accent1"/>
-          </a:fillRef>
-          <a:effectRef idx="0">
-            <a:schemeClr val="accent1"/>
-          </a:effectRef>
-          <a:fontRef idx="minor">
-            <a:schemeClr val="lt1"/>
-          </a:fontRef>
-        </p:style>
-        <p:txBody>
-          <a:bodyPr rtlCol="0" anchor="ctr"/>
-          <a:lstStyle/>
-          <a:p>
-            <a:pPr algn="ctr"/>
-            <a:endParaRPr lang="en-NL"/>
-          </a:p>
-        </p:txBody>
-      </p:sp>
-      <p:sp>
-        <p:nvSpPr>
-          <p:cNvPr id="12" name="Rectangle 11">
-            <a:extLst>
-              <a:ext uri="{FF2B5EF4-FFF2-40B4-BE49-F238E27FC236}">
-                <a16:creationId xmlns:a16="http://schemas.microsoft.com/office/drawing/2014/main" id="{CD22FD70-9EF8-83D6-D886-62C3534728DA}"/>
-              </a:ext>
-            </a:extLst>
-          </p:cNvPr>
-          <p:cNvSpPr/>
-          <p:nvPr/>
-        </p:nvSpPr>
-        <p:spPr>
-          <a:xfrm>
-            <a:off x="9029702" y="3310890"/>
-            <a:ext cx="156210" cy="179070"/>
-          </a:xfrm>
-          <a:prstGeom prst="rect">
-            <a:avLst/>
-          </a:prstGeom>
-          <a:solidFill>
-            <a:schemeClr val="bg1"/>
-          </a:solidFill>
-          <a:ln>
-            <a:solidFill>
-              <a:schemeClr val="bg1"/>
-            </a:solidFill>
-          </a:ln>
-        </p:spPr>
-        <p:style>
-          <a:lnRef idx="2">
-            <a:schemeClr val="accent1">
-              <a:shade val="15000"/>
-            </a:schemeClr>
-          </a:lnRef>
-          <a:fillRef idx="1">
-            <a:schemeClr val="accent1"/>
-          </a:fillRef>
-          <a:effectRef idx="0">
-            <a:schemeClr val="accent1"/>
-          </a:effectRef>
-          <a:fontRef idx="minor">
-            <a:schemeClr val="lt1"/>
-          </a:fontRef>
-        </p:style>
-        <p:txBody>
-          <a:bodyPr rtlCol="0" anchor="ctr"/>
-          <a:lstStyle/>
-          <a:p>
-            <a:pPr algn="ctr"/>
-            <a:endParaRPr lang="en-NL"/>
-          </a:p>
-        </p:txBody>
-      </p:sp>
     </p:spTree>
     <p:extLst>
       <p:ext uri="{BB962C8B-B14F-4D97-AF65-F5344CB8AC3E}">
-        <p14:creationId xmlns:p14="http://schemas.microsoft.com/office/powerpoint/2010/main" val="3549390794"/>
+        <p14:creationId xmlns:p14="http://schemas.microsoft.com/office/powerpoint/2010/main" val="2810432008"/>
       </p:ext>
     </p:extLst>
   </p:cSld>
@@ -5525,12 +4325,18 @@
 </p:sld>
 </file>
 
-<file path=ppt/slides/slide13.xml><?xml version="1.0" encoding="utf-8"?>
+<file path=ppt/slides/slide3.xml><?xml version="1.0" encoding="utf-8"?>
 <p:sld xmlns:a="http://schemas.openxmlformats.org/drawingml/2006/main" xmlns:r="http://schemas.openxmlformats.org/officeDocument/2006/relationships" xmlns:p="http://schemas.openxmlformats.org/presentationml/2006/main">
   <p:cSld>
     <p:spTree>
       <p:nvGrpSpPr>
-        <p:cNvPr id="1" name=""/>
+        <p:cNvPr id="1" name="">
+          <a:extLst>
+            <a:ext uri="{FF2B5EF4-FFF2-40B4-BE49-F238E27FC236}">
+              <a16:creationId xmlns:a16="http://schemas.microsoft.com/office/drawing/2014/main" id="{FE91DEC9-A8A2-A1F8-C97C-F85888569DF6}"/>
+            </a:ext>
+          </a:extLst>
+        </p:cNvPr>
         <p:cNvGrpSpPr/>
         <p:nvPr/>
       </p:nvGrpSpPr>
@@ -5544,10 +4350,10 @@
       </p:grpSpPr>
       <p:sp>
         <p:nvSpPr>
-          <p:cNvPr id="4" name="TextBox 3">
+          <p:cNvPr id="5" name="TextBox 4">
             <a:extLst>
               <a:ext uri="{FF2B5EF4-FFF2-40B4-BE49-F238E27FC236}">
-                <a16:creationId xmlns:a16="http://schemas.microsoft.com/office/drawing/2014/main" id="{46FD623F-C869-4B9E-84FA-5E7E9FE8A003}"/>
+                <a16:creationId xmlns:a16="http://schemas.microsoft.com/office/drawing/2014/main" id="{059DFE57-0B09-A575-EE2E-177ED21BD02B}"/>
               </a:ext>
             </a:extLst>
           </p:cNvPr>
@@ -5556,8 +4362,8 @@
         </p:nvSpPr>
         <p:spPr>
           <a:xfrm>
-            <a:off x="1300655" y="1513490"/>
-            <a:ext cx="9514490" cy="1631216"/>
+            <a:off x="241301" y="129804"/>
+            <a:ext cx="11747500" cy="523220"/>
           </a:xfrm>
           <a:prstGeom prst="rect">
             <a:avLst/>
@@ -5571,45 +4377,27 @@
           <a:lstStyle/>
           <a:p>
             <a:r>
-              <a:rPr lang="en-GB" sz="2000" dirty="0"/>
-              <a:t>reduce the bias of a high bias low variance model</a:t>
-            </a:r>
-          </a:p>
-          <a:p>
-            <a:endParaRPr lang="en-GB" sz="2000" dirty="0"/>
-          </a:p>
-          <a:p>
-            <a:r>
-              <a:rPr lang="en-GB" sz="2000" dirty="0"/>
-              <a:t>turning an ensemble of weak learners into a strong learner</a:t>
-            </a:r>
-          </a:p>
-          <a:p>
-            <a:endParaRPr lang="en-GB" sz="2000" dirty="0"/>
-          </a:p>
-          <a:p>
-            <a:r>
-              <a:rPr lang="en-GB" sz="2000" dirty="0"/>
-              <a:t>the meta-model is additive, i.e. </a:t>
-            </a:r>
-            <a:r>
-              <a:rPr lang="en-GB" sz="2000" dirty="0" err="1"/>
-              <a:t>Adaboost</a:t>
-            </a:r>
-            <a:r>
-              <a:rPr lang="en-GB" sz="2000" dirty="0"/>
-              <a:t>:</a:t>
-            </a:r>
-            <a:endParaRPr lang="nl-BE" sz="2000" dirty="0"/>
+              <a:rPr lang="en-US" sz="2800" dirty="0">
+                <a:latin typeface="+mj-lt"/>
+                <a:ea typeface="Lato" panose="020B0604020202020204" pitchFamily="34" charset="0"/>
+                <a:cs typeface="Helvetica" panose="020B0604020202020204" pitchFamily="34" charset="0"/>
+              </a:rPr>
+              <a:t>Principle components analysis</a:t>
+            </a:r>
+            <a:endParaRPr lang="en-GB" sz="2800" dirty="0">
+              <a:latin typeface="+mj-lt"/>
+              <a:ea typeface="Lato" panose="020B0604020202020204" pitchFamily="34" charset="0"/>
+              <a:cs typeface="Helvetica" panose="020B0604020202020204" pitchFamily="34" charset="0"/>
+            </a:endParaRPr>
           </a:p>
         </p:txBody>
       </p:sp>
       <p:pic>
         <p:nvPicPr>
-          <p:cNvPr id="5" name="Picture 4">
+          <p:cNvPr id="4" name="Picture 3">
             <a:extLst>
               <a:ext uri="{FF2B5EF4-FFF2-40B4-BE49-F238E27FC236}">
-                <a16:creationId xmlns:a16="http://schemas.microsoft.com/office/drawing/2014/main" id="{206D0E84-8F1D-491C-9DBC-9965F177F0E5}"/>
+                <a16:creationId xmlns:a16="http://schemas.microsoft.com/office/drawing/2014/main" id="{F99F4E3D-2E82-B116-7301-88E6CC98D516}"/>
               </a:ext>
             </a:extLst>
           </p:cNvPr>
@@ -5626,727 +4414,8 @@
         </p:blipFill>
         <p:spPr>
           <a:xfrm>
-            <a:off x="4623614" y="3337413"/>
-            <a:ext cx="2821276" cy="1180875"/>
-          </a:xfrm>
-          <a:prstGeom prst="rect">
-            <a:avLst/>
-          </a:prstGeom>
-        </p:spPr>
-      </p:pic>
-      <p:sp>
-        <p:nvSpPr>
-          <p:cNvPr id="3" name="TextBox 2">
-            <a:extLst>
-              <a:ext uri="{FF2B5EF4-FFF2-40B4-BE49-F238E27FC236}">
-                <a16:creationId xmlns:a16="http://schemas.microsoft.com/office/drawing/2014/main" id="{3EE2CA07-2C35-F83A-E2DD-2AD4C7A96593}"/>
-              </a:ext>
-            </a:extLst>
-          </p:cNvPr>
-          <p:cNvSpPr txBox="1"/>
-          <p:nvPr/>
-        </p:nvSpPr>
-        <p:spPr>
-          <a:xfrm>
-            <a:off x="241301" y="129804"/>
-            <a:ext cx="11747500" cy="523220"/>
-          </a:xfrm>
-          <a:prstGeom prst="rect">
-            <a:avLst/>
-          </a:prstGeom>
-          <a:noFill/>
-        </p:spPr>
-        <p:txBody>
-          <a:bodyPr wrap="square" rtlCol="0">
-            <a:spAutoFit/>
-          </a:bodyPr>
-          <a:lstStyle/>
-          <a:p>
-            <a:r>
-              <a:rPr lang="en-US" sz="2800" dirty="0">
-                <a:latin typeface="+mj-lt"/>
-                <a:ea typeface="Lato" panose="020B0604020202020204" pitchFamily="34" charset="0"/>
-                <a:cs typeface="Helvetica" panose="020B0604020202020204" pitchFamily="34" charset="0"/>
-              </a:rPr>
-              <a:t>boosting</a:t>
-            </a:r>
-            <a:endParaRPr lang="en-GB" sz="2800" dirty="0">
-              <a:latin typeface="+mj-lt"/>
-              <a:ea typeface="Lato" panose="020B0604020202020204" pitchFamily="34" charset="0"/>
-              <a:cs typeface="Helvetica" panose="020B0604020202020204" pitchFamily="34" charset="0"/>
-            </a:endParaRPr>
-          </a:p>
-        </p:txBody>
-      </p:sp>
-    </p:spTree>
-    <p:extLst>
-      <p:ext uri="{BB962C8B-B14F-4D97-AF65-F5344CB8AC3E}">
-        <p14:creationId xmlns:p14="http://schemas.microsoft.com/office/powerpoint/2010/main" val="4121994623"/>
-      </p:ext>
-    </p:extLst>
-  </p:cSld>
-  <p:clrMapOvr>
-    <a:masterClrMapping/>
-  </p:clrMapOvr>
-</p:sld>
-</file>
-
-<file path=ppt/slides/slide14.xml><?xml version="1.0" encoding="utf-8"?>
-<p:sld xmlns:a="http://schemas.openxmlformats.org/drawingml/2006/main" xmlns:r="http://schemas.openxmlformats.org/officeDocument/2006/relationships" xmlns:p="http://schemas.openxmlformats.org/presentationml/2006/main">
-  <p:cSld>
-    <p:spTree>
-      <p:nvGrpSpPr>
-        <p:cNvPr id="1" name=""/>
-        <p:cNvGrpSpPr/>
-        <p:nvPr/>
-      </p:nvGrpSpPr>
-      <p:grpSpPr>
-        <a:xfrm>
-          <a:off x="0" y="0"/>
-          <a:ext cx="0" cy="0"/>
-          <a:chOff x="0" y="0"/>
-          <a:chExt cx="0" cy="0"/>
-        </a:xfrm>
-      </p:grpSpPr>
-      <p:pic>
-        <p:nvPicPr>
-          <p:cNvPr id="5" name="Picture 4">
-            <a:extLst>
-              <a:ext uri="{FF2B5EF4-FFF2-40B4-BE49-F238E27FC236}">
-                <a16:creationId xmlns:a16="http://schemas.microsoft.com/office/drawing/2014/main" id="{51F71C8B-C4A7-46E6-AE2B-10A2ED804757}"/>
-              </a:ext>
-            </a:extLst>
-          </p:cNvPr>
-          <p:cNvPicPr>
-            <a:picLocks noChangeAspect="1"/>
-          </p:cNvPicPr>
-          <p:nvPr/>
-        </p:nvPicPr>
-        <p:blipFill>
-          <a:blip r:embed="rId3"/>
-          <a:stretch>
-            <a:fillRect/>
-          </a:stretch>
-        </p:blipFill>
-        <p:spPr>
-          <a:xfrm>
-            <a:off x="810765" y="3470432"/>
-            <a:ext cx="5509737" cy="1531753"/>
-          </a:xfrm>
-          <a:prstGeom prst="rect">
-            <a:avLst/>
-          </a:prstGeom>
-        </p:spPr>
-      </p:pic>
-      <p:pic>
-        <p:nvPicPr>
-          <p:cNvPr id="7" name="Picture 6">
-            <a:extLst>
-              <a:ext uri="{FF2B5EF4-FFF2-40B4-BE49-F238E27FC236}">
-                <a16:creationId xmlns:a16="http://schemas.microsoft.com/office/drawing/2014/main" id="{81C46FF8-6123-4AB9-A32F-D6937C2B0640}"/>
-              </a:ext>
-            </a:extLst>
-          </p:cNvPr>
-          <p:cNvPicPr>
-            <a:picLocks noChangeAspect="1"/>
-          </p:cNvPicPr>
-          <p:nvPr/>
-        </p:nvPicPr>
-        <p:blipFill>
-          <a:blip r:embed="rId4"/>
-          <a:stretch>
-            <a:fillRect/>
-          </a:stretch>
-        </p:blipFill>
-        <p:spPr>
-          <a:xfrm>
-            <a:off x="7455404" y="3373459"/>
-            <a:ext cx="2499577" cy="990686"/>
-          </a:xfrm>
-          <a:prstGeom prst="rect">
-            <a:avLst/>
-          </a:prstGeom>
-        </p:spPr>
-      </p:pic>
-      <p:pic>
-        <p:nvPicPr>
-          <p:cNvPr id="9" name="Picture 8">
-            <a:extLst>
-              <a:ext uri="{FF2B5EF4-FFF2-40B4-BE49-F238E27FC236}">
-                <a16:creationId xmlns:a16="http://schemas.microsoft.com/office/drawing/2014/main" id="{5AFF09F3-D5B7-46C3-8529-7B0C220681DA}"/>
-              </a:ext>
-            </a:extLst>
-          </p:cNvPr>
-          <p:cNvPicPr>
-            <a:picLocks noChangeAspect="1"/>
-          </p:cNvPicPr>
-          <p:nvPr/>
-        </p:nvPicPr>
-        <p:blipFill>
-          <a:blip r:embed="rId5"/>
-          <a:stretch>
-            <a:fillRect/>
-          </a:stretch>
-        </p:blipFill>
-        <p:spPr>
-          <a:xfrm>
-            <a:off x="7248296" y="4364145"/>
-            <a:ext cx="3749365" cy="701101"/>
-          </a:xfrm>
-          <a:prstGeom prst="rect">
-            <a:avLst/>
-          </a:prstGeom>
-        </p:spPr>
-      </p:pic>
-      <p:pic>
-        <p:nvPicPr>
-          <p:cNvPr id="10" name="Picture 9">
-            <a:extLst>
-              <a:ext uri="{FF2B5EF4-FFF2-40B4-BE49-F238E27FC236}">
-                <a16:creationId xmlns:a16="http://schemas.microsoft.com/office/drawing/2014/main" id="{0C5E4845-4F5A-43E2-8080-797E76DF8828}"/>
-              </a:ext>
-            </a:extLst>
-          </p:cNvPr>
-          <p:cNvPicPr>
-            <a:picLocks noChangeAspect="1"/>
-          </p:cNvPicPr>
-          <p:nvPr/>
-        </p:nvPicPr>
-        <p:blipFill>
-          <a:blip r:embed="rId6"/>
-          <a:stretch>
-            <a:fillRect/>
-          </a:stretch>
-        </p:blipFill>
-        <p:spPr>
-          <a:xfrm>
-            <a:off x="4505252" y="1448616"/>
-            <a:ext cx="2621507" cy="1371719"/>
-          </a:xfrm>
-          <a:prstGeom prst="rect">
-            <a:avLst/>
-          </a:prstGeom>
-        </p:spPr>
-      </p:pic>
-      <p:sp>
-        <p:nvSpPr>
-          <p:cNvPr id="3" name="TextBox 2">
-            <a:extLst>
-              <a:ext uri="{FF2B5EF4-FFF2-40B4-BE49-F238E27FC236}">
-                <a16:creationId xmlns:a16="http://schemas.microsoft.com/office/drawing/2014/main" id="{3B19C350-F358-21B9-E1FA-A4ABA8DA6F2B}"/>
-              </a:ext>
-            </a:extLst>
-          </p:cNvPr>
-          <p:cNvSpPr txBox="1"/>
-          <p:nvPr/>
-        </p:nvSpPr>
-        <p:spPr>
-          <a:xfrm>
-            <a:off x="241301" y="129804"/>
-            <a:ext cx="11747500" cy="523220"/>
-          </a:xfrm>
-          <a:prstGeom prst="rect">
-            <a:avLst/>
-          </a:prstGeom>
-          <a:noFill/>
-        </p:spPr>
-        <p:txBody>
-          <a:bodyPr wrap="square" rtlCol="0">
-            <a:spAutoFit/>
-          </a:bodyPr>
-          <a:lstStyle/>
-          <a:p>
-            <a:r>
-              <a:rPr lang="en-US" sz="2800" dirty="0">
-                <a:latin typeface="+mj-lt"/>
-                <a:ea typeface="Lato" panose="020B0604020202020204" pitchFamily="34" charset="0"/>
-                <a:cs typeface="Helvetica" panose="020B0604020202020204" pitchFamily="34" charset="0"/>
-              </a:rPr>
-              <a:t>boosting: Gradient boosting</a:t>
-            </a:r>
-            <a:endParaRPr lang="en-GB" sz="2800" dirty="0">
-              <a:latin typeface="+mj-lt"/>
-              <a:ea typeface="Lato" panose="020B0604020202020204" pitchFamily="34" charset="0"/>
-              <a:cs typeface="Helvetica" panose="020B0604020202020204" pitchFamily="34" charset="0"/>
-            </a:endParaRPr>
-          </a:p>
-        </p:txBody>
-      </p:sp>
-    </p:spTree>
-    <p:extLst>
-      <p:ext uri="{BB962C8B-B14F-4D97-AF65-F5344CB8AC3E}">
-        <p14:creationId xmlns:p14="http://schemas.microsoft.com/office/powerpoint/2010/main" val="3449462475"/>
-      </p:ext>
-    </p:extLst>
-  </p:cSld>
-  <p:clrMapOvr>
-    <a:masterClrMapping/>
-  </p:clrMapOvr>
-</p:sld>
-</file>
-
-<file path=ppt/slides/slide15.xml><?xml version="1.0" encoding="utf-8"?>
-<p:sld xmlns:a="http://schemas.openxmlformats.org/drawingml/2006/main" xmlns:r="http://schemas.openxmlformats.org/officeDocument/2006/relationships" xmlns:p="http://schemas.openxmlformats.org/presentationml/2006/main">
-  <p:cSld>
-    <p:spTree>
-      <p:nvGrpSpPr>
-        <p:cNvPr id="1" name=""/>
-        <p:cNvGrpSpPr/>
-        <p:nvPr/>
-      </p:nvGrpSpPr>
-      <p:grpSpPr>
-        <a:xfrm>
-          <a:off x="0" y="0"/>
-          <a:ext cx="0" cy="0"/>
-          <a:chOff x="0" y="0"/>
-          <a:chExt cx="0" cy="0"/>
-        </a:xfrm>
-      </p:grpSpPr>
-      <p:pic>
-        <p:nvPicPr>
-          <p:cNvPr id="2" name="Picture 1">
-            <a:extLst>
-              <a:ext uri="{FF2B5EF4-FFF2-40B4-BE49-F238E27FC236}">
-                <a16:creationId xmlns:a16="http://schemas.microsoft.com/office/drawing/2014/main" id="{2537A307-D2C5-4D01-BF60-85871652E134}"/>
-              </a:ext>
-            </a:extLst>
-          </p:cNvPr>
-          <p:cNvPicPr>
-            <a:picLocks noChangeAspect="1"/>
-          </p:cNvPicPr>
-          <p:nvPr/>
-        </p:nvPicPr>
-        <p:blipFill>
-          <a:blip r:embed="rId3"/>
-          <a:stretch>
-            <a:fillRect/>
-          </a:stretch>
-        </p:blipFill>
-        <p:spPr>
-          <a:xfrm>
-            <a:off x="237376" y="1441161"/>
-            <a:ext cx="11717248" cy="3838518"/>
-          </a:xfrm>
-          <a:prstGeom prst="rect">
-            <a:avLst/>
-          </a:prstGeom>
-        </p:spPr>
-      </p:pic>
-      <p:sp>
-        <p:nvSpPr>
-          <p:cNvPr id="3" name="TextBox 2">
-            <a:extLst>
-              <a:ext uri="{FF2B5EF4-FFF2-40B4-BE49-F238E27FC236}">
-                <a16:creationId xmlns:a16="http://schemas.microsoft.com/office/drawing/2014/main" id="{4B87DC9D-53B6-0167-04FA-661E59C2D835}"/>
-              </a:ext>
-            </a:extLst>
-          </p:cNvPr>
-          <p:cNvSpPr txBox="1"/>
-          <p:nvPr/>
-        </p:nvSpPr>
-        <p:spPr>
-          <a:xfrm>
-            <a:off x="241301" y="129804"/>
-            <a:ext cx="11747500" cy="523220"/>
-          </a:xfrm>
-          <a:prstGeom prst="rect">
-            <a:avLst/>
-          </a:prstGeom>
-          <a:noFill/>
-        </p:spPr>
-        <p:txBody>
-          <a:bodyPr wrap="square" rtlCol="0">
-            <a:spAutoFit/>
-          </a:bodyPr>
-          <a:lstStyle/>
-          <a:p>
-            <a:r>
-              <a:rPr lang="en-US" sz="2800" dirty="0">
-                <a:latin typeface="+mj-lt"/>
-                <a:ea typeface="Lato" panose="020B0604020202020204" pitchFamily="34" charset="0"/>
-                <a:cs typeface="Helvetica" panose="020B0604020202020204" pitchFamily="34" charset="0"/>
-              </a:rPr>
-              <a:t>boosting: Gradient boosting</a:t>
-            </a:r>
-            <a:endParaRPr lang="en-GB" sz="2800" dirty="0">
-              <a:latin typeface="+mj-lt"/>
-              <a:ea typeface="Lato" panose="020B0604020202020204" pitchFamily="34" charset="0"/>
-              <a:cs typeface="Helvetica" panose="020B0604020202020204" pitchFamily="34" charset="0"/>
-            </a:endParaRPr>
-          </a:p>
-        </p:txBody>
-      </p:sp>
-      <p:sp>
-        <p:nvSpPr>
-          <p:cNvPr id="5" name="TextBox 4">
-            <a:extLst>
-              <a:ext uri="{FF2B5EF4-FFF2-40B4-BE49-F238E27FC236}">
-                <a16:creationId xmlns:a16="http://schemas.microsoft.com/office/drawing/2014/main" id="{E82FD8A4-8563-78B7-3318-05DC4D6C319C}"/>
-              </a:ext>
-            </a:extLst>
-          </p:cNvPr>
-          <p:cNvSpPr txBox="1"/>
-          <p:nvPr/>
-        </p:nvSpPr>
-        <p:spPr>
-          <a:xfrm>
-            <a:off x="653143" y="5883150"/>
-            <a:ext cx="6096000" cy="369332"/>
-          </a:xfrm>
-          <a:prstGeom prst="rect">
-            <a:avLst/>
-          </a:prstGeom>
-          <a:noFill/>
-        </p:spPr>
-        <p:txBody>
-          <a:bodyPr wrap="square">
-            <a:spAutoFit/>
-          </a:bodyPr>
-          <a:lstStyle/>
-          <a:p>
-            <a:r>
-              <a:rPr lang="nl-BE" dirty="0">
-                <a:hlinkClick r:id="rId4"/>
-              </a:rPr>
-              <a:t>Gradient Boosting explained [demonstration]</a:t>
-            </a:r>
-            <a:endParaRPr lang="en-NL" dirty="0"/>
-          </a:p>
-        </p:txBody>
-      </p:sp>
-    </p:spTree>
-    <p:extLst>
-      <p:ext uri="{BB962C8B-B14F-4D97-AF65-F5344CB8AC3E}">
-        <p14:creationId xmlns:p14="http://schemas.microsoft.com/office/powerpoint/2010/main" val="1548010638"/>
-      </p:ext>
-    </p:extLst>
-  </p:cSld>
-  <p:clrMapOvr>
-    <a:masterClrMapping/>
-  </p:clrMapOvr>
-</p:sld>
-</file>
-
-<file path=ppt/slides/slide2.xml><?xml version="1.0" encoding="utf-8"?>
-<p:sld xmlns:a="http://schemas.openxmlformats.org/drawingml/2006/main" xmlns:r="http://schemas.openxmlformats.org/officeDocument/2006/relationships" xmlns:p="http://schemas.openxmlformats.org/presentationml/2006/main">
-  <p:cSld>
-    <p:spTree>
-      <p:nvGrpSpPr>
-        <p:cNvPr id="1" name=""/>
-        <p:cNvGrpSpPr/>
-        <p:nvPr/>
-      </p:nvGrpSpPr>
-      <p:grpSpPr>
-        <a:xfrm>
-          <a:off x="0" y="0"/>
-          <a:ext cx="0" cy="0"/>
-          <a:chOff x="0" y="0"/>
-          <a:chExt cx="0" cy="0"/>
-        </a:xfrm>
-      </p:grpSpPr>
-      <p:pic>
-        <p:nvPicPr>
-          <p:cNvPr id="2" name="Picture 1"/>
-          <p:cNvPicPr>
-            <a:picLocks noChangeAspect="1"/>
-          </p:cNvPicPr>
-          <p:nvPr/>
-        </p:nvPicPr>
-        <p:blipFill>
-          <a:blip r:embed="rId2"/>
-          <a:stretch>
-            <a:fillRect/>
-          </a:stretch>
-        </p:blipFill>
-        <p:spPr>
-          <a:xfrm>
-            <a:off x="570460" y="1942782"/>
-            <a:ext cx="5509727" cy="2252699"/>
-          </a:xfrm>
-          <a:prstGeom prst="rect">
-            <a:avLst/>
-          </a:prstGeom>
-        </p:spPr>
-      </p:pic>
-      <p:sp>
-        <p:nvSpPr>
-          <p:cNvPr id="5" name="TextBox 4"/>
-          <p:cNvSpPr txBox="1"/>
-          <p:nvPr/>
-        </p:nvSpPr>
-        <p:spPr>
-          <a:xfrm>
-            <a:off x="6539427" y="1524098"/>
-            <a:ext cx="5323868" cy="4062651"/>
-          </a:xfrm>
-          <a:prstGeom prst="rect">
-            <a:avLst/>
-          </a:prstGeom>
-          <a:noFill/>
-        </p:spPr>
-        <p:txBody>
-          <a:bodyPr wrap="square" rtlCol="0">
-            <a:spAutoFit/>
-          </a:bodyPr>
-          <a:lstStyle/>
-          <a:p>
-            <a:r>
-              <a:rPr lang="en-US" sz="2000" dirty="0">
-                <a:latin typeface="Calibri" panose="020F0502020204030204" pitchFamily="34" charset="0"/>
-              </a:rPr>
-              <a:t>advantages:</a:t>
-            </a:r>
-          </a:p>
-          <a:p>
-            <a:endParaRPr lang="en-US" sz="2000" dirty="0">
-              <a:latin typeface="Calibri" panose="020F0502020204030204" pitchFamily="34" charset="0"/>
-            </a:endParaRPr>
-          </a:p>
-          <a:p>
-            <a:r>
-              <a:rPr lang="en-US" sz="2000" dirty="0">
-                <a:latin typeface="Calibri" panose="020F0502020204030204" pitchFamily="34" charset="0"/>
-              </a:rPr>
-              <a:t>ease of interpretation</a:t>
-            </a:r>
-          </a:p>
-          <a:p>
-            <a:r>
-              <a:rPr lang="en-US" sz="2000" dirty="0">
-                <a:latin typeface="Calibri" panose="020F0502020204030204" pitchFamily="34" charset="0"/>
-              </a:rPr>
-              <a:t>handles continuous and discrete features</a:t>
-            </a:r>
-          </a:p>
-          <a:p>
-            <a:r>
-              <a:rPr lang="en-US" sz="2000" dirty="0">
-                <a:latin typeface="Calibri" panose="020F0502020204030204" pitchFamily="34" charset="0"/>
-              </a:rPr>
-              <a:t>invariant to monotone transformation of features</a:t>
-            </a:r>
-          </a:p>
-          <a:p>
-            <a:r>
-              <a:rPr lang="en-US" sz="2000" dirty="0">
-                <a:latin typeface="Calibri" panose="020F0502020204030204" pitchFamily="34" charset="0"/>
-              </a:rPr>
-              <a:t>variable selection automated</a:t>
-            </a:r>
-          </a:p>
-          <a:p>
-            <a:r>
-              <a:rPr lang="nl-BE" sz="2000" b="1" dirty="0">
-                <a:latin typeface="Calibri" panose="020F0502020204030204" pitchFamily="34" charset="0"/>
-              </a:rPr>
-              <a:t>low bias </a:t>
-            </a:r>
-            <a:r>
-              <a:rPr lang="nl-BE" sz="2000" dirty="0">
-                <a:latin typeface="Calibri" panose="020F0502020204030204" pitchFamily="34" charset="0"/>
-              </a:rPr>
-              <a:t>(deep trees)</a:t>
-            </a:r>
-            <a:endParaRPr lang="en-US" sz="2000" dirty="0">
-              <a:latin typeface="Calibri" panose="020F0502020204030204" pitchFamily="34" charset="0"/>
-            </a:endParaRPr>
-          </a:p>
-          <a:p>
-            <a:endParaRPr lang="en-US" sz="2000" dirty="0">
-              <a:latin typeface="Calibri" panose="020F0502020204030204" pitchFamily="34" charset="0"/>
-            </a:endParaRPr>
-          </a:p>
-          <a:p>
-            <a:r>
-              <a:rPr lang="en-US" sz="2000" dirty="0">
-                <a:latin typeface="Calibri" panose="020F0502020204030204" pitchFamily="34" charset="0"/>
-              </a:rPr>
-              <a:t>disadvantages:</a:t>
-            </a:r>
-          </a:p>
-          <a:p>
-            <a:endParaRPr lang="en-US" sz="2000" dirty="0">
-              <a:latin typeface="Calibri" panose="020F0502020204030204" pitchFamily="34" charset="0"/>
-            </a:endParaRPr>
-          </a:p>
-          <a:p>
-            <a:r>
-              <a:rPr lang="en-US" sz="2000" b="1" dirty="0">
-                <a:latin typeface="Calibri" panose="020F0502020204030204" pitchFamily="34" charset="0"/>
-              </a:rPr>
-              <a:t>high variance</a:t>
-            </a:r>
-          </a:p>
-          <a:p>
-            <a:r>
-              <a:rPr lang="en-US" sz="2000" dirty="0" err="1">
-                <a:latin typeface="Calibri" panose="020F0502020204030204" pitchFamily="34" charset="0"/>
-              </a:rPr>
-              <a:t>overfitting</a:t>
-            </a:r>
-            <a:endParaRPr lang="en-US" sz="2000" dirty="0">
-              <a:latin typeface="Calibri" panose="020F0502020204030204" pitchFamily="34" charset="0"/>
-            </a:endParaRPr>
-          </a:p>
-          <a:p>
-            <a:pPr marL="285750" indent="-285750">
-              <a:buFont typeface="Courier New" panose="02070309020205020404" pitchFamily="49" charset="0"/>
-              <a:buChar char="o"/>
-            </a:pPr>
-            <a:endParaRPr lang="en-US" dirty="0">
-              <a:latin typeface="Calibri" panose="020F0502020204030204" pitchFamily="34" charset="0"/>
-            </a:endParaRPr>
-          </a:p>
-        </p:txBody>
-      </p:sp>
-      <p:sp>
-        <p:nvSpPr>
-          <p:cNvPr id="4" name="TextBox 3">
-            <a:extLst>
-              <a:ext uri="{FF2B5EF4-FFF2-40B4-BE49-F238E27FC236}">
-                <a16:creationId xmlns:a16="http://schemas.microsoft.com/office/drawing/2014/main" id="{61CBF3B4-3D25-A8D2-9AFA-2BAA3D38C33F}"/>
-              </a:ext>
-            </a:extLst>
-          </p:cNvPr>
-          <p:cNvSpPr txBox="1"/>
-          <p:nvPr/>
-        </p:nvSpPr>
-        <p:spPr>
-          <a:xfrm>
-            <a:off x="241301" y="129804"/>
-            <a:ext cx="11747500" cy="523220"/>
-          </a:xfrm>
-          <a:prstGeom prst="rect">
-            <a:avLst/>
-          </a:prstGeom>
-          <a:noFill/>
-        </p:spPr>
-        <p:txBody>
-          <a:bodyPr wrap="square" rtlCol="0">
-            <a:spAutoFit/>
-          </a:bodyPr>
-          <a:lstStyle/>
-          <a:p>
-            <a:r>
-              <a:rPr lang="en-US" sz="2800" dirty="0">
-                <a:latin typeface="+mj-lt"/>
-                <a:ea typeface="Lato" panose="020B0604020202020204" pitchFamily="34" charset="0"/>
-                <a:cs typeface="Helvetica" panose="020B0604020202020204" pitchFamily="34" charset="0"/>
-              </a:rPr>
-              <a:t>decision tree models</a:t>
-            </a:r>
-            <a:endParaRPr lang="en-GB" sz="2800" dirty="0">
-              <a:latin typeface="+mj-lt"/>
-              <a:ea typeface="Lato" panose="020B0604020202020204" pitchFamily="34" charset="0"/>
-              <a:cs typeface="Helvetica" panose="020B0604020202020204" pitchFamily="34" charset="0"/>
-            </a:endParaRPr>
-          </a:p>
-        </p:txBody>
-      </p:sp>
-    </p:spTree>
-    <p:extLst>
-      <p:ext uri="{BB962C8B-B14F-4D97-AF65-F5344CB8AC3E}">
-        <p14:creationId xmlns:p14="http://schemas.microsoft.com/office/powerpoint/2010/main" val="3933282328"/>
-      </p:ext>
-    </p:extLst>
-  </p:cSld>
-  <p:clrMapOvr>
-    <a:masterClrMapping/>
-  </p:clrMapOvr>
-</p:sld>
-</file>
-
-<file path=ppt/slides/slide3.xml><?xml version="1.0" encoding="utf-8"?>
-<p:sld xmlns:a="http://schemas.openxmlformats.org/drawingml/2006/main" xmlns:r="http://schemas.openxmlformats.org/officeDocument/2006/relationships" xmlns:p="http://schemas.openxmlformats.org/presentationml/2006/main">
-  <p:cSld>
-    <p:spTree>
-      <p:nvGrpSpPr>
-        <p:cNvPr id="1" name=""/>
-        <p:cNvGrpSpPr/>
-        <p:nvPr/>
-      </p:nvGrpSpPr>
-      <p:grpSpPr>
-        <a:xfrm>
-          <a:off x="0" y="0"/>
-          <a:ext cx="0" cy="0"/>
-          <a:chOff x="0" y="0"/>
-          <a:chExt cx="0" cy="0"/>
-        </a:xfrm>
-      </p:grpSpPr>
-      <p:sp>
-        <p:nvSpPr>
-          <p:cNvPr id="4" name="TextBox 3">
-            <a:extLst>
-              <a:ext uri="{FF2B5EF4-FFF2-40B4-BE49-F238E27FC236}">
-                <a16:creationId xmlns:a16="http://schemas.microsoft.com/office/drawing/2014/main" id="{61CBF3B4-3D25-A8D2-9AFA-2BAA3D38C33F}"/>
-              </a:ext>
-            </a:extLst>
-          </p:cNvPr>
-          <p:cNvSpPr txBox="1"/>
-          <p:nvPr/>
-        </p:nvSpPr>
-        <p:spPr>
-          <a:xfrm>
-            <a:off x="241301" y="129804"/>
-            <a:ext cx="11747500" cy="523220"/>
-          </a:xfrm>
-          <a:prstGeom prst="rect">
-            <a:avLst/>
-          </a:prstGeom>
-          <a:noFill/>
-        </p:spPr>
-        <p:txBody>
-          <a:bodyPr wrap="square" rtlCol="0">
-            <a:spAutoFit/>
-          </a:bodyPr>
-          <a:lstStyle/>
-          <a:p>
-            <a:r>
-              <a:rPr lang="en-US" sz="2800" dirty="0">
-                <a:latin typeface="+mj-lt"/>
-                <a:ea typeface="Lato" panose="020B0604020202020204" pitchFamily="34" charset="0"/>
-                <a:cs typeface="Helvetica" panose="020B0604020202020204" pitchFamily="34" charset="0"/>
-              </a:rPr>
-              <a:t>model selection</a:t>
-            </a:r>
-            <a:endParaRPr lang="en-GB" sz="2800" dirty="0">
-              <a:latin typeface="+mj-lt"/>
-              <a:ea typeface="Lato" panose="020B0604020202020204" pitchFamily="34" charset="0"/>
-              <a:cs typeface="Helvetica" panose="020B0604020202020204" pitchFamily="34" charset="0"/>
-            </a:endParaRPr>
-          </a:p>
-        </p:txBody>
-      </p:sp>
-      <p:pic>
-        <p:nvPicPr>
-          <p:cNvPr id="6" name="Picture 5" descr="Chart, line chart&#10;&#10;Description automatically generated">
-            <a:extLst>
-              <a:ext uri="{FF2B5EF4-FFF2-40B4-BE49-F238E27FC236}">
-                <a16:creationId xmlns:a16="http://schemas.microsoft.com/office/drawing/2014/main" id="{BF3EEDA8-5557-622F-CC77-B509FCFB54B1}"/>
-              </a:ext>
-            </a:extLst>
-          </p:cNvPr>
-          <p:cNvPicPr>
-            <a:picLocks noChangeAspect="1"/>
-          </p:cNvPicPr>
-          <p:nvPr/>
-        </p:nvPicPr>
-        <p:blipFill>
-          <a:blip r:embed="rId2">
-            <a:extLst>
-              <a:ext uri="{28A0092B-C50C-407E-A947-70E740481C1C}">
-                <a14:useLocalDpi xmlns:a14="http://schemas.microsoft.com/office/drawing/2010/main" val="0"/>
-              </a:ext>
-            </a:extLst>
-          </a:blip>
-          <a:stretch>
-            <a:fillRect/>
-          </a:stretch>
-        </p:blipFill>
-        <p:spPr>
-          <a:xfrm>
-            <a:off x="2437408" y="1000539"/>
-            <a:ext cx="6864474" cy="5166421"/>
+            <a:off x="476250" y="930605"/>
+            <a:ext cx="11239500" cy="5797591"/>
           </a:xfrm>
           <a:prstGeom prst="rect">
             <a:avLst/>
@@ -6356,1228 +4425,7 @@
     </p:spTree>
     <p:extLst>
       <p:ext uri="{BB962C8B-B14F-4D97-AF65-F5344CB8AC3E}">
-        <p14:creationId xmlns:p14="http://schemas.microsoft.com/office/powerpoint/2010/main" val="1442676706"/>
-      </p:ext>
-    </p:extLst>
-  </p:cSld>
-  <p:clrMapOvr>
-    <a:masterClrMapping/>
-  </p:clrMapOvr>
-</p:sld>
-</file>
-
-<file path=ppt/slides/slide4.xml><?xml version="1.0" encoding="utf-8"?>
-<p:sld xmlns:a="http://schemas.openxmlformats.org/drawingml/2006/main" xmlns:r="http://schemas.openxmlformats.org/officeDocument/2006/relationships" xmlns:p="http://schemas.openxmlformats.org/presentationml/2006/main">
-  <p:cSld>
-    <p:spTree>
-      <p:nvGrpSpPr>
-        <p:cNvPr id="1" name=""/>
-        <p:cNvGrpSpPr/>
-        <p:nvPr/>
-      </p:nvGrpSpPr>
-      <p:grpSpPr>
-        <a:xfrm>
-          <a:off x="0" y="0"/>
-          <a:ext cx="0" cy="0"/>
-          <a:chOff x="0" y="0"/>
-          <a:chExt cx="0" cy="0"/>
-        </a:xfrm>
-      </p:grpSpPr>
-      <p:pic>
-        <p:nvPicPr>
-          <p:cNvPr id="4" name="Picture 3"/>
-          <p:cNvPicPr>
-            <a:picLocks noChangeAspect="1"/>
-          </p:cNvPicPr>
-          <p:nvPr/>
-        </p:nvPicPr>
-        <p:blipFill>
-          <a:blip r:embed="rId2"/>
-          <a:stretch>
-            <a:fillRect/>
-          </a:stretch>
-        </p:blipFill>
-        <p:spPr>
-          <a:xfrm>
-            <a:off x="7568757" y="1435219"/>
-            <a:ext cx="4266521" cy="4043643"/>
-          </a:xfrm>
-          <a:prstGeom prst="rect">
-            <a:avLst/>
-          </a:prstGeom>
-        </p:spPr>
-      </p:pic>
-      <p:sp>
-        <p:nvSpPr>
-          <p:cNvPr id="5" name="TextBox 4">
-            <a:extLst>
-              <a:ext uri="{FF2B5EF4-FFF2-40B4-BE49-F238E27FC236}">
-                <a16:creationId xmlns:a16="http://schemas.microsoft.com/office/drawing/2014/main" id="{0C69F2B5-76E4-E544-9063-3A41B6136987}"/>
-              </a:ext>
-            </a:extLst>
-          </p:cNvPr>
-          <p:cNvSpPr txBox="1"/>
-          <p:nvPr/>
-        </p:nvSpPr>
-        <p:spPr>
-          <a:xfrm>
-            <a:off x="241301" y="129804"/>
-            <a:ext cx="11747500" cy="523220"/>
-          </a:xfrm>
-          <a:prstGeom prst="rect">
-            <a:avLst/>
-          </a:prstGeom>
-          <a:noFill/>
-        </p:spPr>
-        <p:txBody>
-          <a:bodyPr wrap="square" rtlCol="0">
-            <a:spAutoFit/>
-          </a:bodyPr>
-          <a:lstStyle/>
-          <a:p>
-            <a:r>
-              <a:rPr lang="en-US" sz="2800" dirty="0">
-                <a:latin typeface="+mj-lt"/>
-                <a:ea typeface="Lato" panose="020B0604020202020204" pitchFamily="34" charset="0"/>
-                <a:cs typeface="Helvetica" panose="020B0604020202020204" pitchFamily="34" charset="0"/>
-              </a:rPr>
-              <a:t>regularized linear regression</a:t>
-            </a:r>
-            <a:endParaRPr lang="en-GB" sz="2800" dirty="0">
-              <a:latin typeface="+mj-lt"/>
-              <a:ea typeface="Lato" panose="020B0604020202020204" pitchFamily="34" charset="0"/>
-              <a:cs typeface="Helvetica" panose="020B0604020202020204" pitchFamily="34" charset="0"/>
-            </a:endParaRPr>
-          </a:p>
-        </p:txBody>
-      </p:sp>
-      <p:pic>
-        <p:nvPicPr>
-          <p:cNvPr id="7" name="Picture 6">
-            <a:extLst>
-              <a:ext uri="{FF2B5EF4-FFF2-40B4-BE49-F238E27FC236}">
-                <a16:creationId xmlns:a16="http://schemas.microsoft.com/office/drawing/2014/main" id="{E06927CD-4603-4AEA-6417-655A51BEBA66}"/>
-              </a:ext>
-            </a:extLst>
-          </p:cNvPr>
-          <p:cNvPicPr>
-            <a:picLocks noChangeAspect="1"/>
-          </p:cNvPicPr>
-          <p:nvPr/>
-        </p:nvPicPr>
-        <p:blipFill>
-          <a:blip r:embed="rId3"/>
-          <a:stretch>
-            <a:fillRect/>
-          </a:stretch>
-        </p:blipFill>
-        <p:spPr>
-          <a:xfrm>
-            <a:off x="304800" y="1220501"/>
-            <a:ext cx="6864350" cy="4416997"/>
-          </a:xfrm>
-          <a:prstGeom prst="rect">
-            <a:avLst/>
-          </a:prstGeom>
-        </p:spPr>
-      </p:pic>
-    </p:spTree>
-    <p:extLst>
-      <p:ext uri="{BB962C8B-B14F-4D97-AF65-F5344CB8AC3E}">
-        <p14:creationId xmlns:p14="http://schemas.microsoft.com/office/powerpoint/2010/main" val="4146636672"/>
-      </p:ext>
-    </p:extLst>
-  </p:cSld>
-  <p:clrMapOvr>
-    <a:masterClrMapping/>
-  </p:clrMapOvr>
-</p:sld>
-</file>
-
-<file path=ppt/slides/slide5.xml><?xml version="1.0" encoding="utf-8"?>
-<p:sld xmlns:a="http://schemas.openxmlformats.org/drawingml/2006/main" xmlns:r="http://schemas.openxmlformats.org/officeDocument/2006/relationships" xmlns:p="http://schemas.openxmlformats.org/presentationml/2006/main">
-  <p:cSld>
-    <p:spTree>
-      <p:nvGrpSpPr>
-        <p:cNvPr id="1" name=""/>
-        <p:cNvGrpSpPr/>
-        <p:nvPr/>
-      </p:nvGrpSpPr>
-      <p:grpSpPr>
-        <a:xfrm>
-          <a:off x="0" y="0"/>
-          <a:ext cx="0" cy="0"/>
-          <a:chOff x="0" y="0"/>
-          <a:chExt cx="0" cy="0"/>
-        </a:xfrm>
-      </p:grpSpPr>
-      <p:sp>
-        <p:nvSpPr>
-          <p:cNvPr id="4" name="TextBox 3">
-            <a:extLst>
-              <a:ext uri="{FF2B5EF4-FFF2-40B4-BE49-F238E27FC236}">
-                <a16:creationId xmlns:a16="http://schemas.microsoft.com/office/drawing/2014/main" id="{61CBF3B4-3D25-A8D2-9AFA-2BAA3D38C33F}"/>
-              </a:ext>
-            </a:extLst>
-          </p:cNvPr>
-          <p:cNvSpPr txBox="1"/>
-          <p:nvPr/>
-        </p:nvSpPr>
-        <p:spPr>
-          <a:xfrm>
-            <a:off x="241301" y="129804"/>
-            <a:ext cx="11747500" cy="523220"/>
-          </a:xfrm>
-          <a:prstGeom prst="rect">
-            <a:avLst/>
-          </a:prstGeom>
-          <a:noFill/>
-        </p:spPr>
-        <p:txBody>
-          <a:bodyPr wrap="square" rtlCol="0">
-            <a:spAutoFit/>
-          </a:bodyPr>
-          <a:lstStyle/>
-          <a:p>
-            <a:r>
-              <a:rPr lang="en-US" sz="2800" i="1" dirty="0">
-                <a:latin typeface="+mj-lt"/>
-                <a:ea typeface="Lato" panose="020B0604020202020204" pitchFamily="34" charset="0"/>
-                <a:cs typeface="Helvetica" panose="020B0604020202020204" pitchFamily="34" charset="0"/>
-              </a:rPr>
-              <a:t>5</a:t>
-            </a:r>
-            <a:r>
-              <a:rPr lang="en-US" sz="2800" dirty="0">
-                <a:latin typeface="+mj-lt"/>
-                <a:ea typeface="Lato" panose="020B0604020202020204" pitchFamily="34" charset="0"/>
-                <a:cs typeface="Helvetica" panose="020B0604020202020204" pitchFamily="34" charset="0"/>
-              </a:rPr>
-              <a:t>-fold cross-validation</a:t>
-            </a:r>
-            <a:endParaRPr lang="en-GB" sz="2800" dirty="0">
-              <a:latin typeface="+mj-lt"/>
-              <a:ea typeface="Lato" panose="020B0604020202020204" pitchFamily="34" charset="0"/>
-              <a:cs typeface="Helvetica" panose="020B0604020202020204" pitchFamily="34" charset="0"/>
-            </a:endParaRPr>
-          </a:p>
-        </p:txBody>
-      </p:sp>
-      <p:pic>
-        <p:nvPicPr>
-          <p:cNvPr id="6" name="Picture 5" descr="A screenshot of a computer&#10;&#10;Description automatically generated with medium confidence">
-            <a:extLst>
-              <a:ext uri="{FF2B5EF4-FFF2-40B4-BE49-F238E27FC236}">
-                <a16:creationId xmlns:a16="http://schemas.microsoft.com/office/drawing/2014/main" id="{55C45B61-9BFC-2413-6085-8E13F8762495}"/>
-              </a:ext>
-            </a:extLst>
-          </p:cNvPr>
-          <p:cNvPicPr>
-            <a:picLocks noChangeAspect="1"/>
-          </p:cNvPicPr>
-          <p:nvPr/>
-        </p:nvPicPr>
-        <p:blipFill>
-          <a:blip r:embed="rId2">
-            <a:extLst>
-              <a:ext uri="{28A0092B-C50C-407E-A947-70E740481C1C}">
-                <a14:useLocalDpi xmlns:a14="http://schemas.microsoft.com/office/drawing/2010/main" val="0"/>
-              </a:ext>
-            </a:extLst>
-          </a:blip>
-          <a:stretch>
-            <a:fillRect/>
-          </a:stretch>
-        </p:blipFill>
-        <p:spPr>
-          <a:xfrm>
-            <a:off x="1809065" y="922952"/>
-            <a:ext cx="7633396" cy="5287313"/>
-          </a:xfrm>
-          <a:prstGeom prst="rect">
-            <a:avLst/>
-          </a:prstGeom>
-        </p:spPr>
-      </p:pic>
-    </p:spTree>
-    <p:extLst>
-      <p:ext uri="{BB962C8B-B14F-4D97-AF65-F5344CB8AC3E}">
-        <p14:creationId xmlns:p14="http://schemas.microsoft.com/office/powerpoint/2010/main" val="416481786"/>
-      </p:ext>
-    </p:extLst>
-  </p:cSld>
-  <p:clrMapOvr>
-    <a:masterClrMapping/>
-  </p:clrMapOvr>
-</p:sld>
-</file>
-
-<file path=ppt/slides/slide6.xml><?xml version="1.0" encoding="utf-8"?>
-<p:sld xmlns:a="http://schemas.openxmlformats.org/drawingml/2006/main" xmlns:r="http://schemas.openxmlformats.org/officeDocument/2006/relationships" xmlns:p="http://schemas.openxmlformats.org/presentationml/2006/main">
-  <p:cSld>
-    <p:spTree>
-      <p:nvGrpSpPr>
-        <p:cNvPr id="1" name="">
-          <a:extLst>
-            <a:ext uri="{FF2B5EF4-FFF2-40B4-BE49-F238E27FC236}">
-              <a16:creationId xmlns:a16="http://schemas.microsoft.com/office/drawing/2014/main" id="{AAF9A269-5081-527F-ECB3-A9F0CDF7EE99}"/>
-            </a:ext>
-          </a:extLst>
-        </p:cNvPr>
-        <p:cNvGrpSpPr/>
-        <p:nvPr/>
-      </p:nvGrpSpPr>
-      <p:grpSpPr>
-        <a:xfrm>
-          <a:off x="0" y="0"/>
-          <a:ext cx="0" cy="0"/>
-          <a:chOff x="0" y="0"/>
-          <a:chExt cx="0" cy="0"/>
-        </a:xfrm>
-      </p:grpSpPr>
-      <p:sp>
-        <p:nvSpPr>
-          <p:cNvPr id="4" name="TextBox 3">
-            <a:extLst>
-              <a:ext uri="{FF2B5EF4-FFF2-40B4-BE49-F238E27FC236}">
-                <a16:creationId xmlns:a16="http://schemas.microsoft.com/office/drawing/2014/main" id="{5DAFD78D-D39C-76AC-2A82-A046D751AC06}"/>
-              </a:ext>
-            </a:extLst>
-          </p:cNvPr>
-          <p:cNvSpPr txBox="1"/>
-          <p:nvPr/>
-        </p:nvSpPr>
-        <p:spPr>
-          <a:xfrm>
-            <a:off x="241301" y="129804"/>
-            <a:ext cx="11747500" cy="523220"/>
-          </a:xfrm>
-          <a:prstGeom prst="rect">
-            <a:avLst/>
-          </a:prstGeom>
-          <a:noFill/>
-        </p:spPr>
-        <p:txBody>
-          <a:bodyPr wrap="square" rtlCol="0">
-            <a:spAutoFit/>
-          </a:bodyPr>
-          <a:lstStyle/>
-          <a:p>
-            <a:r>
-              <a:rPr lang="en-GB" sz="2800" dirty="0">
-                <a:latin typeface="+mj-lt"/>
-                <a:ea typeface="Lato" panose="020B0604020202020204" pitchFamily="34" charset="0"/>
-                <a:cs typeface="Helvetica" panose="020B0604020202020204" pitchFamily="34" charset="0"/>
-              </a:rPr>
-              <a:t>Tuning regularization</a:t>
-            </a:r>
-          </a:p>
-        </p:txBody>
-      </p:sp>
-      <p:pic>
-        <p:nvPicPr>
-          <p:cNvPr id="3074" name="Picture 2" descr="Cross-validation-assessing network's generalization ability. | Download  Scientific Diagram">
-            <a:extLst>
-              <a:ext uri="{FF2B5EF4-FFF2-40B4-BE49-F238E27FC236}">
-                <a16:creationId xmlns:a16="http://schemas.microsoft.com/office/drawing/2014/main" id="{7325D19C-404C-8C6A-0962-E35CE9BBBDFC}"/>
-              </a:ext>
-            </a:extLst>
-          </p:cNvPr>
-          <p:cNvPicPr>
-            <a:picLocks noChangeAspect="1" noChangeArrowheads="1"/>
-          </p:cNvPicPr>
-          <p:nvPr/>
-        </p:nvPicPr>
-        <p:blipFill>
-          <a:blip r:embed="rId2">
-            <a:extLst>
-              <a:ext uri="{28A0092B-C50C-407E-A947-70E740481C1C}">
-                <a14:useLocalDpi xmlns:a14="http://schemas.microsoft.com/office/drawing/2010/main" val="0"/>
-              </a:ext>
-            </a:extLst>
-          </a:blip>
-          <a:srcRect/>
-          <a:stretch>
-            <a:fillRect/>
-          </a:stretch>
-        </p:blipFill>
-        <p:spPr bwMode="auto">
-          <a:xfrm>
-            <a:off x="2047875" y="1295400"/>
-            <a:ext cx="8096250" cy="4267200"/>
-          </a:xfrm>
-          <a:prstGeom prst="rect">
-            <a:avLst/>
-          </a:prstGeom>
-          <a:noFill/>
-          <a:extLst>
-            <a:ext uri="{909E8E84-426E-40DD-AFC4-6F175D3DCCD1}">
-              <a14:hiddenFill xmlns:a14="http://schemas.microsoft.com/office/drawing/2010/main">
-                <a:solidFill>
-                  <a:srgbClr val="FFFFFF"/>
-                </a:solidFill>
-              </a14:hiddenFill>
-            </a:ext>
-          </a:extLst>
-        </p:spPr>
-      </p:pic>
-      <p:sp>
-        <p:nvSpPr>
-          <p:cNvPr id="2" name="Rectangle 1">
-            <a:extLst>
-              <a:ext uri="{FF2B5EF4-FFF2-40B4-BE49-F238E27FC236}">
-                <a16:creationId xmlns:a16="http://schemas.microsoft.com/office/drawing/2014/main" id="{B68C9273-778F-A4A4-1318-ABF7351E06DE}"/>
-              </a:ext>
-            </a:extLst>
-          </p:cNvPr>
-          <p:cNvSpPr/>
-          <p:nvPr/>
-        </p:nvSpPr>
-        <p:spPr>
-          <a:xfrm>
-            <a:off x="8727440" y="5232400"/>
-            <a:ext cx="1005840" cy="497840"/>
-          </a:xfrm>
-          <a:prstGeom prst="rect">
-            <a:avLst/>
-          </a:prstGeom>
-          <a:solidFill>
-            <a:schemeClr val="bg1"/>
-          </a:solidFill>
-          <a:ln>
-            <a:solidFill>
-              <a:schemeClr val="bg1"/>
-            </a:solidFill>
-          </a:ln>
-        </p:spPr>
-        <p:style>
-          <a:lnRef idx="2">
-            <a:schemeClr val="accent1">
-              <a:shade val="15000"/>
-            </a:schemeClr>
-          </a:lnRef>
-          <a:fillRef idx="1">
-            <a:schemeClr val="accent1"/>
-          </a:fillRef>
-          <a:effectRef idx="0">
-            <a:schemeClr val="accent1"/>
-          </a:effectRef>
-          <a:fontRef idx="minor">
-            <a:schemeClr val="lt1"/>
-          </a:fontRef>
-        </p:style>
-        <p:txBody>
-          <a:bodyPr rtlCol="0" anchor="ctr"/>
-          <a:lstStyle/>
-          <a:p>
-            <a:pPr algn="ctr"/>
-            <a:endParaRPr lang="en-NL"/>
-          </a:p>
-        </p:txBody>
-      </p:sp>
-      <p:sp>
-        <p:nvSpPr>
-          <p:cNvPr id="3" name="Rectangle 2">
-            <a:extLst>
-              <a:ext uri="{FF2B5EF4-FFF2-40B4-BE49-F238E27FC236}">
-                <a16:creationId xmlns:a16="http://schemas.microsoft.com/office/drawing/2014/main" id="{12CDA352-6DCB-1F03-6503-272470545AAD}"/>
-              </a:ext>
-            </a:extLst>
-          </p:cNvPr>
-          <p:cNvSpPr/>
-          <p:nvPr/>
-        </p:nvSpPr>
-        <p:spPr>
-          <a:xfrm>
-            <a:off x="5801360" y="5161280"/>
-            <a:ext cx="1564640" cy="568960"/>
-          </a:xfrm>
-          <a:prstGeom prst="rect">
-            <a:avLst/>
-          </a:prstGeom>
-          <a:solidFill>
-            <a:schemeClr val="bg1"/>
-          </a:solidFill>
-          <a:ln>
-            <a:solidFill>
-              <a:schemeClr val="bg1"/>
-            </a:solidFill>
-          </a:ln>
-        </p:spPr>
-        <p:style>
-          <a:lnRef idx="2">
-            <a:schemeClr val="accent1">
-              <a:shade val="15000"/>
-            </a:schemeClr>
-          </a:lnRef>
-          <a:fillRef idx="1">
-            <a:schemeClr val="accent1"/>
-          </a:fillRef>
-          <a:effectRef idx="0">
-            <a:schemeClr val="accent1"/>
-          </a:effectRef>
-          <a:fontRef idx="minor">
-            <a:schemeClr val="lt1"/>
-          </a:fontRef>
-        </p:style>
-        <p:txBody>
-          <a:bodyPr rtlCol="0" anchor="ctr"/>
-          <a:lstStyle/>
-          <a:p>
-            <a:pPr algn="ctr"/>
-            <a:endParaRPr lang="en-NL"/>
-          </a:p>
-        </p:txBody>
-      </p:sp>
-      <p:sp>
-        <p:nvSpPr>
-          <p:cNvPr id="5" name="TextBox 4">
-            <a:extLst>
-              <a:ext uri="{FF2B5EF4-FFF2-40B4-BE49-F238E27FC236}">
-                <a16:creationId xmlns:a16="http://schemas.microsoft.com/office/drawing/2014/main" id="{435B1BBB-9408-E253-FC75-B2B49BC1CE86}"/>
-              </a:ext>
-            </a:extLst>
-          </p:cNvPr>
-          <p:cNvSpPr txBox="1"/>
-          <p:nvPr/>
-        </p:nvSpPr>
-        <p:spPr>
-          <a:xfrm>
-            <a:off x="4216400" y="5240496"/>
-            <a:ext cx="3444240" cy="461665"/>
-          </a:xfrm>
-          <a:prstGeom prst="rect">
-            <a:avLst/>
-          </a:prstGeom>
-          <a:noFill/>
-        </p:spPr>
-        <p:txBody>
-          <a:bodyPr wrap="square" rtlCol="0">
-            <a:spAutoFit/>
-          </a:bodyPr>
-          <a:lstStyle/>
-          <a:p>
-            <a:pPr algn="ctr"/>
-            <a:r>
-              <a:rPr lang="en-US" sz="2400" dirty="0"/>
-              <a:t>Maximum depth</a:t>
-            </a:r>
-            <a:endParaRPr lang="en-NL" sz="2400" dirty="0"/>
-          </a:p>
-        </p:txBody>
-      </p:sp>
-    </p:spTree>
-    <p:extLst>
-      <p:ext uri="{BB962C8B-B14F-4D97-AF65-F5344CB8AC3E}">
-        <p14:creationId xmlns:p14="http://schemas.microsoft.com/office/powerpoint/2010/main" val="559918975"/>
-      </p:ext>
-    </p:extLst>
-  </p:cSld>
-  <p:clrMapOvr>
-    <a:masterClrMapping/>
-  </p:clrMapOvr>
-</p:sld>
-</file>
-
-<file path=ppt/slides/slide7.xml><?xml version="1.0" encoding="utf-8"?>
-<p:sld xmlns:a="http://schemas.openxmlformats.org/drawingml/2006/main" xmlns:r="http://schemas.openxmlformats.org/officeDocument/2006/relationships" xmlns:p="http://schemas.openxmlformats.org/presentationml/2006/main">
-  <p:cSld>
-    <p:spTree>
-      <p:nvGrpSpPr>
-        <p:cNvPr id="1" name="">
-          <a:extLst>
-            <a:ext uri="{FF2B5EF4-FFF2-40B4-BE49-F238E27FC236}">
-              <a16:creationId xmlns:a16="http://schemas.microsoft.com/office/drawing/2014/main" id="{270915E7-BA7A-1F8F-AA1A-1CC4891BE308}"/>
-            </a:ext>
-          </a:extLst>
-        </p:cNvPr>
-        <p:cNvGrpSpPr/>
-        <p:nvPr/>
-      </p:nvGrpSpPr>
-      <p:grpSpPr>
-        <a:xfrm>
-          <a:off x="0" y="0"/>
-          <a:ext cx="0" cy="0"/>
-          <a:chOff x="0" y="0"/>
-          <a:chExt cx="0" cy="0"/>
-        </a:xfrm>
-      </p:grpSpPr>
-      <p:pic>
-        <p:nvPicPr>
-          <p:cNvPr id="1026" name="Picture 2" descr="Related image">
-            <a:extLst>
-              <a:ext uri="{FF2B5EF4-FFF2-40B4-BE49-F238E27FC236}">
-                <a16:creationId xmlns:a16="http://schemas.microsoft.com/office/drawing/2014/main" id="{60FD75AE-5908-D4DC-FB8B-4244FD5D4A22}"/>
-              </a:ext>
-            </a:extLst>
-          </p:cNvPr>
-          <p:cNvPicPr>
-            <a:picLocks noChangeAspect="1" noChangeArrowheads="1"/>
-          </p:cNvPicPr>
-          <p:nvPr/>
-        </p:nvPicPr>
-        <p:blipFill>
-          <a:blip r:embed="rId3">
-            <a:extLst>
-              <a:ext uri="{28A0092B-C50C-407E-A947-70E740481C1C}">
-                <a14:useLocalDpi xmlns:a14="http://schemas.microsoft.com/office/drawing/2010/main" val="0"/>
-              </a:ext>
-            </a:extLst>
-          </a:blip>
-          <a:srcRect/>
-          <a:stretch>
-            <a:fillRect/>
-          </a:stretch>
-        </p:blipFill>
-        <p:spPr bwMode="auto">
-          <a:xfrm>
-            <a:off x="3853137" y="653024"/>
-            <a:ext cx="7382800" cy="5624650"/>
-          </a:xfrm>
-          <a:prstGeom prst="rect">
-            <a:avLst/>
-          </a:prstGeom>
-          <a:noFill/>
-          <a:extLst>
-            <a:ext uri="{909E8E84-426E-40DD-AFC4-6F175D3DCCD1}">
-              <a14:hiddenFill xmlns:a14="http://schemas.microsoft.com/office/drawing/2010/main">
-                <a:solidFill>
-                  <a:srgbClr val="FFFFFF"/>
-                </a:solidFill>
-              </a14:hiddenFill>
-            </a:ext>
-          </a:extLst>
-        </p:spPr>
-      </p:pic>
-      <p:sp>
-        <p:nvSpPr>
-          <p:cNvPr id="4" name="TextBox 3">
-            <a:extLst>
-              <a:ext uri="{FF2B5EF4-FFF2-40B4-BE49-F238E27FC236}">
-                <a16:creationId xmlns:a16="http://schemas.microsoft.com/office/drawing/2014/main" id="{74850351-B665-1124-9850-141925650539}"/>
-              </a:ext>
-            </a:extLst>
-          </p:cNvPr>
-          <p:cNvSpPr txBox="1"/>
-          <p:nvPr/>
-        </p:nvSpPr>
-        <p:spPr>
-          <a:xfrm>
-            <a:off x="757451" y="1745682"/>
-            <a:ext cx="2875629" cy="4062651"/>
-          </a:xfrm>
-          <a:prstGeom prst="rect">
-            <a:avLst/>
-          </a:prstGeom>
-          <a:noFill/>
-        </p:spPr>
-        <p:txBody>
-          <a:bodyPr wrap="square" rtlCol="0">
-            <a:spAutoFit/>
-          </a:bodyPr>
-          <a:lstStyle/>
-          <a:p>
-            <a:r>
-              <a:rPr lang="nl-BE" sz="2400" dirty="0">
-                <a:latin typeface="Calibri" panose="020F0502020204030204" pitchFamily="34" charset="0"/>
-              </a:rPr>
-              <a:t>Error due to bias</a:t>
-            </a:r>
-          </a:p>
-          <a:p>
-            <a:r>
-              <a:rPr lang="nl-BE" sz="2400" dirty="0">
-                <a:latin typeface="Calibri" panose="020F0502020204030204" pitchFamily="34" charset="0"/>
-              </a:rPr>
-              <a:t>(systematic errors,</a:t>
-            </a:r>
-          </a:p>
-          <a:p>
-            <a:r>
-              <a:rPr lang="nl-BE" sz="2400" dirty="0">
-                <a:latin typeface="Calibri" panose="020F0502020204030204" pitchFamily="34" charset="0"/>
-              </a:rPr>
-              <a:t>oversimplification)</a:t>
-            </a:r>
-          </a:p>
-          <a:p>
-            <a:endParaRPr lang="nl-BE" sz="2400" dirty="0">
-              <a:latin typeface="Calibri" panose="020F0502020204030204" pitchFamily="34" charset="0"/>
-            </a:endParaRPr>
-          </a:p>
-          <a:p>
-            <a:r>
-              <a:rPr lang="nl-BE" sz="2400" dirty="0">
-                <a:latin typeface="Calibri" panose="020F0502020204030204" pitchFamily="34" charset="0"/>
-              </a:rPr>
-              <a:t>Error due to variance</a:t>
-            </a:r>
-          </a:p>
-          <a:p>
-            <a:r>
-              <a:rPr lang="nl-BE" sz="2400" dirty="0">
-                <a:latin typeface="Calibri" panose="020F0502020204030204" pitchFamily="34" charset="0"/>
-              </a:rPr>
-              <a:t>(sensitivity due to flexibility,</a:t>
-            </a:r>
-          </a:p>
-          <a:p>
-            <a:r>
-              <a:rPr lang="nl-BE" sz="2400" dirty="0">
-                <a:latin typeface="Calibri" panose="020F0502020204030204" pitchFamily="34" charset="0"/>
-              </a:rPr>
-              <a:t>overcomplification)</a:t>
-            </a:r>
-          </a:p>
-          <a:p>
-            <a:endParaRPr lang="nl-BE" sz="2400" dirty="0">
-              <a:latin typeface="Calibri" panose="020F0502020204030204" pitchFamily="34" charset="0"/>
-            </a:endParaRPr>
-          </a:p>
-          <a:p>
-            <a:r>
-              <a:rPr lang="nl-BE" sz="2400" dirty="0">
-                <a:latin typeface="Calibri" panose="020F0502020204030204" pitchFamily="34" charset="0"/>
-              </a:rPr>
-              <a:t>Irreducible error </a:t>
-            </a:r>
-            <a:endParaRPr lang="en-US" sz="2400" dirty="0">
-              <a:latin typeface="Calibri" panose="020F0502020204030204" pitchFamily="34" charset="0"/>
-            </a:endParaRPr>
-          </a:p>
-          <a:p>
-            <a:pPr marL="285750" indent="-285750">
-              <a:buFont typeface="Courier New" panose="02070309020205020404" pitchFamily="49" charset="0"/>
-              <a:buChar char="o"/>
-            </a:pPr>
-            <a:endParaRPr lang="en-US" dirty="0">
-              <a:latin typeface="Calibri" panose="020F0502020204030204" pitchFamily="34" charset="0"/>
-            </a:endParaRPr>
-          </a:p>
-        </p:txBody>
-      </p:sp>
-      <p:sp>
-        <p:nvSpPr>
-          <p:cNvPr id="2" name="TextBox 1">
-            <a:extLst>
-              <a:ext uri="{FF2B5EF4-FFF2-40B4-BE49-F238E27FC236}">
-                <a16:creationId xmlns:a16="http://schemas.microsoft.com/office/drawing/2014/main" id="{76DBF4D3-3E4E-965E-1E3A-DA46F42CD933}"/>
-              </a:ext>
-            </a:extLst>
-          </p:cNvPr>
-          <p:cNvSpPr txBox="1"/>
-          <p:nvPr/>
-        </p:nvSpPr>
-        <p:spPr>
-          <a:xfrm>
-            <a:off x="241301" y="129804"/>
-            <a:ext cx="11747500" cy="523220"/>
-          </a:xfrm>
-          <a:prstGeom prst="rect">
-            <a:avLst/>
-          </a:prstGeom>
-          <a:noFill/>
-        </p:spPr>
-        <p:txBody>
-          <a:bodyPr wrap="square" rtlCol="0">
-            <a:spAutoFit/>
-          </a:bodyPr>
-          <a:lstStyle/>
-          <a:p>
-            <a:r>
-              <a:rPr lang="en-US" sz="2800" dirty="0">
-                <a:latin typeface="+mj-lt"/>
-                <a:ea typeface="Lato" panose="020B0604020202020204" pitchFamily="34" charset="0"/>
-                <a:cs typeface="Helvetica" panose="020B0604020202020204" pitchFamily="34" charset="0"/>
-              </a:rPr>
-              <a:t>bias &lt;&gt; variance</a:t>
-            </a:r>
-            <a:endParaRPr lang="en-GB" sz="2800" dirty="0">
-              <a:latin typeface="+mj-lt"/>
-              <a:ea typeface="Lato" panose="020B0604020202020204" pitchFamily="34" charset="0"/>
-              <a:cs typeface="Helvetica" panose="020B0604020202020204" pitchFamily="34" charset="0"/>
-            </a:endParaRPr>
-          </a:p>
-        </p:txBody>
-      </p:sp>
-    </p:spTree>
-    <p:extLst>
-      <p:ext uri="{BB962C8B-B14F-4D97-AF65-F5344CB8AC3E}">
-        <p14:creationId xmlns:p14="http://schemas.microsoft.com/office/powerpoint/2010/main" val="4034051223"/>
-      </p:ext>
-    </p:extLst>
-  </p:cSld>
-  <p:clrMapOvr>
-    <a:masterClrMapping/>
-  </p:clrMapOvr>
-</p:sld>
-</file>
-
-<file path=ppt/slides/slide8.xml><?xml version="1.0" encoding="utf-8"?>
-<p:sld xmlns:a="http://schemas.openxmlformats.org/drawingml/2006/main" xmlns:r="http://schemas.openxmlformats.org/officeDocument/2006/relationships" xmlns:p="http://schemas.openxmlformats.org/presentationml/2006/main">
-  <p:cSld>
-    <p:spTree>
-      <p:nvGrpSpPr>
-        <p:cNvPr id="1" name=""/>
-        <p:cNvGrpSpPr/>
-        <p:nvPr/>
-      </p:nvGrpSpPr>
-      <p:grpSpPr>
-        <a:xfrm>
-          <a:off x="0" y="0"/>
-          <a:ext cx="0" cy="0"/>
-          <a:chOff x="0" y="0"/>
-          <a:chExt cx="0" cy="0"/>
-        </a:xfrm>
-      </p:grpSpPr>
-      <p:pic>
-        <p:nvPicPr>
-          <p:cNvPr id="6" name="Picture 5">
-            <a:extLst>
-              <a:ext uri="{FF2B5EF4-FFF2-40B4-BE49-F238E27FC236}">
-                <a16:creationId xmlns:a16="http://schemas.microsoft.com/office/drawing/2014/main" id="{1B256A8B-B416-4CA9-8771-48392FEF3D88}"/>
-              </a:ext>
-            </a:extLst>
-          </p:cNvPr>
-          <p:cNvPicPr>
-            <a:picLocks noChangeAspect="1"/>
-          </p:cNvPicPr>
-          <p:nvPr/>
-        </p:nvPicPr>
-        <p:blipFill>
-          <a:blip r:embed="rId3"/>
-          <a:stretch>
-            <a:fillRect/>
-          </a:stretch>
-        </p:blipFill>
-        <p:spPr>
-          <a:xfrm>
-            <a:off x="4439837" y="1642214"/>
-            <a:ext cx="6635437" cy="4167378"/>
-          </a:xfrm>
-          <a:prstGeom prst="rect">
-            <a:avLst/>
-          </a:prstGeom>
-        </p:spPr>
-      </p:pic>
-      <p:sp>
-        <p:nvSpPr>
-          <p:cNvPr id="2" name="TextBox 1">
-            <a:extLst>
-              <a:ext uri="{FF2B5EF4-FFF2-40B4-BE49-F238E27FC236}">
-                <a16:creationId xmlns:a16="http://schemas.microsoft.com/office/drawing/2014/main" id="{8A987E28-1D05-52C4-D0F5-0A1B810B0689}"/>
-              </a:ext>
-            </a:extLst>
-          </p:cNvPr>
-          <p:cNvSpPr txBox="1"/>
-          <p:nvPr/>
-        </p:nvSpPr>
-        <p:spPr>
-          <a:xfrm>
-            <a:off x="729720" y="2485910"/>
-            <a:ext cx="4055000" cy="2215991"/>
-          </a:xfrm>
-          <a:prstGeom prst="rect">
-            <a:avLst/>
-          </a:prstGeom>
-          <a:noFill/>
-        </p:spPr>
-        <p:txBody>
-          <a:bodyPr wrap="square" rtlCol="0">
-            <a:spAutoFit/>
-          </a:bodyPr>
-          <a:lstStyle/>
-          <a:p>
-            <a:r>
-              <a:rPr lang="nl-BE" sz="2400" dirty="0">
-                <a:latin typeface="Calibri" panose="020F0502020204030204" pitchFamily="34" charset="0"/>
-              </a:rPr>
-              <a:t>Error due to bias</a:t>
-            </a:r>
-          </a:p>
-          <a:p>
-            <a:endParaRPr lang="nl-BE" sz="2400" dirty="0">
-              <a:latin typeface="Calibri" panose="020F0502020204030204" pitchFamily="34" charset="0"/>
-            </a:endParaRPr>
-          </a:p>
-          <a:p>
-            <a:r>
-              <a:rPr lang="nl-BE" sz="2400" dirty="0">
-                <a:latin typeface="Calibri" panose="020F0502020204030204" pitchFamily="34" charset="0"/>
-              </a:rPr>
-              <a:t>Error due to variance</a:t>
-            </a:r>
-          </a:p>
-          <a:p>
-            <a:endParaRPr lang="nl-BE" sz="2400" dirty="0">
-              <a:latin typeface="Calibri" panose="020F0502020204030204" pitchFamily="34" charset="0"/>
-            </a:endParaRPr>
-          </a:p>
-          <a:p>
-            <a:r>
-              <a:rPr lang="nl-BE" sz="2400" dirty="0">
-                <a:latin typeface="Calibri" panose="020F0502020204030204" pitchFamily="34" charset="0"/>
-              </a:rPr>
-              <a:t>Irreducible error </a:t>
-            </a:r>
-            <a:endParaRPr lang="en-US" sz="2400" dirty="0">
-              <a:latin typeface="Calibri" panose="020F0502020204030204" pitchFamily="34" charset="0"/>
-            </a:endParaRPr>
-          </a:p>
-          <a:p>
-            <a:pPr marL="285750" indent="-285750">
-              <a:buFont typeface="Courier New" panose="02070309020205020404" pitchFamily="49" charset="0"/>
-              <a:buChar char="o"/>
-            </a:pPr>
-            <a:endParaRPr lang="en-US" dirty="0">
-              <a:latin typeface="Calibri" panose="020F0502020204030204" pitchFamily="34" charset="0"/>
-            </a:endParaRPr>
-          </a:p>
-        </p:txBody>
-      </p:sp>
-      <p:sp>
-        <p:nvSpPr>
-          <p:cNvPr id="4" name="TextBox 3">
-            <a:extLst>
-              <a:ext uri="{FF2B5EF4-FFF2-40B4-BE49-F238E27FC236}">
-                <a16:creationId xmlns:a16="http://schemas.microsoft.com/office/drawing/2014/main" id="{C5F47A19-F1CE-AE6F-E5F3-864B4EB25650}"/>
-              </a:ext>
-            </a:extLst>
-          </p:cNvPr>
-          <p:cNvSpPr txBox="1"/>
-          <p:nvPr/>
-        </p:nvSpPr>
-        <p:spPr>
-          <a:xfrm>
-            <a:off x="241301" y="129804"/>
-            <a:ext cx="11747500" cy="523220"/>
-          </a:xfrm>
-          <a:prstGeom prst="rect">
-            <a:avLst/>
-          </a:prstGeom>
-          <a:noFill/>
-        </p:spPr>
-        <p:txBody>
-          <a:bodyPr wrap="square" rtlCol="0">
-            <a:spAutoFit/>
-          </a:bodyPr>
-          <a:lstStyle/>
-          <a:p>
-            <a:r>
-              <a:rPr lang="en-US" sz="2800" dirty="0">
-                <a:latin typeface="+mj-lt"/>
-                <a:ea typeface="Lato" panose="020B0604020202020204" pitchFamily="34" charset="0"/>
-                <a:cs typeface="Helvetica" panose="020B0604020202020204" pitchFamily="34" charset="0"/>
-              </a:rPr>
-              <a:t>bias &lt;&gt; variance</a:t>
-            </a:r>
-            <a:endParaRPr lang="en-GB" sz="2800" dirty="0">
-              <a:latin typeface="+mj-lt"/>
-              <a:ea typeface="Lato" panose="020B0604020202020204" pitchFamily="34" charset="0"/>
-              <a:cs typeface="Helvetica" panose="020B0604020202020204" pitchFamily="34" charset="0"/>
-            </a:endParaRPr>
-          </a:p>
-        </p:txBody>
-      </p:sp>
-    </p:spTree>
-    <p:extLst>
-      <p:ext uri="{BB962C8B-B14F-4D97-AF65-F5344CB8AC3E}">
-        <p14:creationId xmlns:p14="http://schemas.microsoft.com/office/powerpoint/2010/main" val="2553046411"/>
-      </p:ext>
-    </p:extLst>
-  </p:cSld>
-  <p:clrMapOvr>
-    <a:masterClrMapping/>
-  </p:clrMapOvr>
-</p:sld>
-</file>
-
-<file path=ppt/slides/slide9.xml><?xml version="1.0" encoding="utf-8"?>
-<p:sld xmlns:a="http://schemas.openxmlformats.org/drawingml/2006/main" xmlns:r="http://schemas.openxmlformats.org/officeDocument/2006/relationships" xmlns:p="http://schemas.openxmlformats.org/presentationml/2006/main">
-  <p:cSld>
-    <p:spTree>
-      <p:nvGrpSpPr>
-        <p:cNvPr id="1" name=""/>
-        <p:cNvGrpSpPr/>
-        <p:nvPr/>
-      </p:nvGrpSpPr>
-      <p:grpSpPr>
-        <a:xfrm>
-          <a:off x="0" y="0"/>
-          <a:ext cx="0" cy="0"/>
-          <a:chOff x="0" y="0"/>
-          <a:chExt cx="0" cy="0"/>
-        </a:xfrm>
-      </p:grpSpPr>
-      <p:pic>
-        <p:nvPicPr>
-          <p:cNvPr id="6" name="Picture 2" descr="Related image">
-            <a:extLst>
-              <a:ext uri="{FF2B5EF4-FFF2-40B4-BE49-F238E27FC236}">
-                <a16:creationId xmlns:a16="http://schemas.microsoft.com/office/drawing/2014/main" id="{05CE624E-428B-4EEF-B623-B7958FFB9FA2}"/>
-              </a:ext>
-            </a:extLst>
-          </p:cNvPr>
-          <p:cNvPicPr>
-            <a:picLocks noChangeAspect="1" noChangeArrowheads="1"/>
-          </p:cNvPicPr>
-          <p:nvPr/>
-        </p:nvPicPr>
-        <p:blipFill>
-          <a:blip r:embed="rId3">
-            <a:extLst>
-              <a:ext uri="{28A0092B-C50C-407E-A947-70E740481C1C}">
-                <a14:useLocalDpi xmlns:a14="http://schemas.microsoft.com/office/drawing/2010/main" val="0"/>
-              </a:ext>
-            </a:extLst>
-          </a:blip>
-          <a:srcRect/>
-          <a:stretch>
-            <a:fillRect/>
-          </a:stretch>
-        </p:blipFill>
-        <p:spPr bwMode="auto">
-          <a:xfrm>
-            <a:off x="2002219" y="1133853"/>
-            <a:ext cx="6892593" cy="5251182"/>
-          </a:xfrm>
-          <a:prstGeom prst="rect">
-            <a:avLst/>
-          </a:prstGeom>
-          <a:noFill/>
-          <a:extLst>
-            <a:ext uri="{909E8E84-426E-40DD-AFC4-6F175D3DCCD1}">
-              <a14:hiddenFill xmlns:a14="http://schemas.microsoft.com/office/drawing/2010/main">
-                <a:solidFill>
-                  <a:srgbClr val="FFFFFF"/>
-                </a:solidFill>
-              </a14:hiddenFill>
-            </a:ext>
-          </a:extLst>
-        </p:spPr>
-      </p:pic>
-      <p:sp>
-        <p:nvSpPr>
-          <p:cNvPr id="4" name="Arrow: Right 3">
-            <a:extLst>
-              <a:ext uri="{FF2B5EF4-FFF2-40B4-BE49-F238E27FC236}">
-                <a16:creationId xmlns:a16="http://schemas.microsoft.com/office/drawing/2014/main" id="{46CC7FD9-370E-4A18-99A5-08AD5B7FFA93}"/>
-              </a:ext>
-            </a:extLst>
-          </p:cNvPr>
-          <p:cNvSpPr/>
-          <p:nvPr/>
-        </p:nvSpPr>
-        <p:spPr>
-          <a:xfrm rot="16200000">
-            <a:off x="4074546" y="3808214"/>
-            <a:ext cx="1679029" cy="400337"/>
-          </a:xfrm>
-          <a:prstGeom prst="rightArrow">
-            <a:avLst/>
-          </a:prstGeom>
-          <a:solidFill>
-            <a:schemeClr val="accent1">
-              <a:lumMod val="20000"/>
-              <a:lumOff val="80000"/>
-            </a:schemeClr>
-          </a:solidFill>
-        </p:spPr>
-        <p:style>
-          <a:lnRef idx="2">
-            <a:schemeClr val="accent1">
-              <a:shade val="50000"/>
-            </a:schemeClr>
-          </a:lnRef>
-          <a:fillRef idx="1">
-            <a:schemeClr val="accent1"/>
-          </a:fillRef>
-          <a:effectRef idx="0">
-            <a:schemeClr val="accent1"/>
-          </a:effectRef>
-          <a:fontRef idx="minor">
-            <a:schemeClr val="lt1"/>
-          </a:fontRef>
-        </p:style>
-        <p:txBody>
-          <a:bodyPr rtlCol="0" anchor="ctr"/>
-          <a:lstStyle/>
-          <a:p>
-            <a:pPr algn="ctr"/>
-            <a:endParaRPr lang="nl-BE" dirty="0"/>
-          </a:p>
-        </p:txBody>
-      </p:sp>
-      <p:sp>
-        <p:nvSpPr>
-          <p:cNvPr id="8" name="Arrow: Right 7">
-            <a:extLst>
-              <a:ext uri="{FF2B5EF4-FFF2-40B4-BE49-F238E27FC236}">
-                <a16:creationId xmlns:a16="http://schemas.microsoft.com/office/drawing/2014/main" id="{B04A7BC4-D9C3-4283-AEF0-AC8E83FF44A2}"/>
-              </a:ext>
-            </a:extLst>
-          </p:cNvPr>
-          <p:cNvSpPr/>
-          <p:nvPr/>
-        </p:nvSpPr>
-        <p:spPr>
-          <a:xfrm rot="10800000">
-            <a:off x="5535484" y="2707256"/>
-            <a:ext cx="1679029" cy="400337"/>
-          </a:xfrm>
-          <a:prstGeom prst="rightArrow">
-            <a:avLst/>
-          </a:prstGeom>
-          <a:solidFill>
-            <a:schemeClr val="accent1">
-              <a:lumMod val="20000"/>
-              <a:lumOff val="80000"/>
-            </a:schemeClr>
-          </a:solidFill>
-        </p:spPr>
-        <p:style>
-          <a:lnRef idx="2">
-            <a:schemeClr val="accent1">
-              <a:shade val="50000"/>
-            </a:schemeClr>
-          </a:lnRef>
-          <a:fillRef idx="1">
-            <a:schemeClr val="accent1"/>
-          </a:fillRef>
-          <a:effectRef idx="0">
-            <a:schemeClr val="accent1"/>
-          </a:effectRef>
-          <a:fontRef idx="minor">
-            <a:schemeClr val="lt1"/>
-          </a:fontRef>
-        </p:style>
-        <p:txBody>
-          <a:bodyPr rtlCol="0" anchor="ctr"/>
-          <a:lstStyle/>
-          <a:p>
-            <a:pPr algn="ctr"/>
-            <a:endParaRPr lang="nl-BE"/>
-          </a:p>
-        </p:txBody>
-      </p:sp>
-      <p:sp>
-        <p:nvSpPr>
-          <p:cNvPr id="12" name="TextBox 11">
-            <a:extLst>
-              <a:ext uri="{FF2B5EF4-FFF2-40B4-BE49-F238E27FC236}">
-                <a16:creationId xmlns:a16="http://schemas.microsoft.com/office/drawing/2014/main" id="{225EAFEC-505F-40C0-AE44-A1698E0909D4}"/>
-              </a:ext>
-            </a:extLst>
-          </p:cNvPr>
-          <p:cNvSpPr txBox="1"/>
-          <p:nvPr/>
-        </p:nvSpPr>
-        <p:spPr>
-          <a:xfrm>
-            <a:off x="4390697" y="3759444"/>
-            <a:ext cx="1797269" cy="461665"/>
-          </a:xfrm>
-          <a:prstGeom prst="rect">
-            <a:avLst/>
-          </a:prstGeom>
-          <a:noFill/>
-        </p:spPr>
-        <p:txBody>
-          <a:bodyPr wrap="square" rtlCol="0">
-            <a:spAutoFit/>
-          </a:bodyPr>
-          <a:lstStyle/>
-          <a:p>
-            <a:r>
-              <a:rPr lang="nl-BE" sz="2400" dirty="0"/>
-              <a:t>bagging</a:t>
-            </a:r>
-          </a:p>
-        </p:txBody>
-      </p:sp>
-      <p:sp>
-        <p:nvSpPr>
-          <p:cNvPr id="13" name="TextBox 12">
-            <a:extLst>
-              <a:ext uri="{FF2B5EF4-FFF2-40B4-BE49-F238E27FC236}">
-                <a16:creationId xmlns:a16="http://schemas.microsoft.com/office/drawing/2014/main" id="{5FD9E6B6-2390-4BE6-AF89-C4B9B110FCAF}"/>
-              </a:ext>
-            </a:extLst>
-          </p:cNvPr>
-          <p:cNvSpPr txBox="1"/>
-          <p:nvPr/>
-        </p:nvSpPr>
-        <p:spPr>
-          <a:xfrm>
-            <a:off x="5741277" y="2645928"/>
-            <a:ext cx="1797269" cy="461665"/>
-          </a:xfrm>
-          <a:prstGeom prst="rect">
-            <a:avLst/>
-          </a:prstGeom>
-          <a:noFill/>
-        </p:spPr>
-        <p:txBody>
-          <a:bodyPr wrap="square" rtlCol="0">
-            <a:spAutoFit/>
-          </a:bodyPr>
-          <a:lstStyle/>
-          <a:p>
-            <a:r>
-              <a:rPr lang="nl-BE" sz="2400" dirty="0"/>
-              <a:t>boosting</a:t>
-            </a:r>
-          </a:p>
-        </p:txBody>
-      </p:sp>
-      <p:sp>
-        <p:nvSpPr>
-          <p:cNvPr id="3" name="TextBox 2">
-            <a:extLst>
-              <a:ext uri="{FF2B5EF4-FFF2-40B4-BE49-F238E27FC236}">
-                <a16:creationId xmlns:a16="http://schemas.microsoft.com/office/drawing/2014/main" id="{5FF1FDA0-20F2-FF74-FD4B-21B1B82F32A5}"/>
-              </a:ext>
-            </a:extLst>
-          </p:cNvPr>
-          <p:cNvSpPr txBox="1"/>
-          <p:nvPr/>
-        </p:nvSpPr>
-        <p:spPr>
-          <a:xfrm>
-            <a:off x="241301" y="129804"/>
-            <a:ext cx="11747500" cy="523220"/>
-          </a:xfrm>
-          <a:prstGeom prst="rect">
-            <a:avLst/>
-          </a:prstGeom>
-          <a:noFill/>
-        </p:spPr>
-        <p:txBody>
-          <a:bodyPr wrap="square" rtlCol="0">
-            <a:spAutoFit/>
-          </a:bodyPr>
-          <a:lstStyle/>
-          <a:p>
-            <a:r>
-              <a:rPr lang="en-US" sz="2800" dirty="0">
-                <a:latin typeface="+mj-lt"/>
-                <a:ea typeface="Lato" panose="020B0604020202020204" pitchFamily="34" charset="0"/>
-                <a:cs typeface="Helvetica" panose="020B0604020202020204" pitchFamily="34" charset="0"/>
-              </a:rPr>
-              <a:t>bagging &lt;&gt; boosting</a:t>
-            </a:r>
-            <a:endParaRPr lang="en-GB" sz="2800" dirty="0">
-              <a:latin typeface="+mj-lt"/>
-              <a:ea typeface="Lato" panose="020B0604020202020204" pitchFamily="34" charset="0"/>
-              <a:cs typeface="Helvetica" panose="020B0604020202020204" pitchFamily="34" charset="0"/>
-            </a:endParaRPr>
-          </a:p>
-        </p:txBody>
-      </p:sp>
-    </p:spTree>
-    <p:extLst>
-      <p:ext uri="{BB962C8B-B14F-4D97-AF65-F5344CB8AC3E}">
-        <p14:creationId xmlns:p14="http://schemas.microsoft.com/office/powerpoint/2010/main" val="3125656099"/>
+        <p14:creationId xmlns:p14="http://schemas.microsoft.com/office/powerpoint/2010/main" val="3860323098"/>
       </p:ext>
     </p:extLst>
   </p:cSld>
